--- a/CSharpProgramming/Presentations/ProgPartII/DRY.pptx
+++ b/CSharpProgramming/Presentations/ProgPartII/DRY.pptx
@@ -17,14 +17,15 @@
     <p:sldId id="503" r:id="rId11"/>
     <p:sldId id="495" r:id="rId12"/>
     <p:sldId id="496" r:id="rId13"/>
-    <p:sldId id="490" r:id="rId14"/>
-    <p:sldId id="493" r:id="rId15"/>
-    <p:sldId id="494" r:id="rId16"/>
-    <p:sldId id="497" r:id="rId17"/>
-    <p:sldId id="498" r:id="rId18"/>
-    <p:sldId id="500" r:id="rId19"/>
-    <p:sldId id="501" r:id="rId20"/>
-    <p:sldId id="502" r:id="rId21"/>
+    <p:sldId id="504" r:id="rId14"/>
+    <p:sldId id="505" r:id="rId15"/>
+    <p:sldId id="493" r:id="rId16"/>
+    <p:sldId id="494" r:id="rId17"/>
+    <p:sldId id="497" r:id="rId18"/>
+    <p:sldId id="498" r:id="rId19"/>
+    <p:sldId id="500" r:id="rId20"/>
+    <p:sldId id="501" r:id="rId21"/>
+    <p:sldId id="502" r:id="rId22"/>
   </p:sldIdLst>
   <p:sldSz cx="12192000" cy="6858000"/>
   <p:notesSz cx="6858000" cy="9144000"/>
@@ -262,7 +263,7 @@
           <a:p>
             <a:fld id="{E15B7D8E-2A20-4C0E-991C-872DBB7459A8}" type="datetimeFigureOut">
               <a:rPr lang="da-DK" smtClean="0"/>
-              <a:t>08-10-2017</a:t>
+              <a:t>24-02-2018</a:t>
             </a:fld>
             <a:endParaRPr lang="da-DK"/>
           </a:p>
@@ -432,7 +433,7 @@
           <a:p>
             <a:fld id="{E15B7D8E-2A20-4C0E-991C-872DBB7459A8}" type="datetimeFigureOut">
               <a:rPr lang="da-DK" smtClean="0"/>
-              <a:t>08-10-2017</a:t>
+              <a:t>24-02-2018</a:t>
             </a:fld>
             <a:endParaRPr lang="da-DK"/>
           </a:p>
@@ -612,7 +613,7 @@
           <a:p>
             <a:fld id="{E15B7D8E-2A20-4C0E-991C-872DBB7459A8}" type="datetimeFigureOut">
               <a:rPr lang="da-DK" smtClean="0"/>
-              <a:t>08-10-2017</a:t>
+              <a:t>24-02-2018</a:t>
             </a:fld>
             <a:endParaRPr lang="da-DK"/>
           </a:p>
@@ -782,7 +783,7 @@
           <a:p>
             <a:fld id="{E15B7D8E-2A20-4C0E-991C-872DBB7459A8}" type="datetimeFigureOut">
               <a:rPr lang="da-DK" smtClean="0"/>
-              <a:t>08-10-2017</a:t>
+              <a:t>24-02-2018</a:t>
             </a:fld>
             <a:endParaRPr lang="da-DK"/>
           </a:p>
@@ -1028,7 +1029,7 @@
           <a:p>
             <a:fld id="{E15B7D8E-2A20-4C0E-991C-872DBB7459A8}" type="datetimeFigureOut">
               <a:rPr lang="da-DK" smtClean="0"/>
-              <a:t>08-10-2017</a:t>
+              <a:t>24-02-2018</a:t>
             </a:fld>
             <a:endParaRPr lang="da-DK"/>
           </a:p>
@@ -1260,7 +1261,7 @@
           <a:p>
             <a:fld id="{E15B7D8E-2A20-4C0E-991C-872DBB7459A8}" type="datetimeFigureOut">
               <a:rPr lang="da-DK" smtClean="0"/>
-              <a:t>08-10-2017</a:t>
+              <a:t>24-02-2018</a:t>
             </a:fld>
             <a:endParaRPr lang="da-DK"/>
           </a:p>
@@ -1627,7 +1628,7 @@
           <a:p>
             <a:fld id="{E15B7D8E-2A20-4C0E-991C-872DBB7459A8}" type="datetimeFigureOut">
               <a:rPr lang="da-DK" smtClean="0"/>
-              <a:t>08-10-2017</a:t>
+              <a:t>24-02-2018</a:t>
             </a:fld>
             <a:endParaRPr lang="da-DK"/>
           </a:p>
@@ -1745,7 +1746,7 @@
           <a:p>
             <a:fld id="{E15B7D8E-2A20-4C0E-991C-872DBB7459A8}" type="datetimeFigureOut">
               <a:rPr lang="da-DK" smtClean="0"/>
-              <a:t>08-10-2017</a:t>
+              <a:t>24-02-2018</a:t>
             </a:fld>
             <a:endParaRPr lang="da-DK"/>
           </a:p>
@@ -1840,7 +1841,7 @@
           <a:p>
             <a:fld id="{E15B7D8E-2A20-4C0E-991C-872DBB7459A8}" type="datetimeFigureOut">
               <a:rPr lang="da-DK" smtClean="0"/>
-              <a:t>08-10-2017</a:t>
+              <a:t>24-02-2018</a:t>
             </a:fld>
             <a:endParaRPr lang="da-DK"/>
           </a:p>
@@ -2117,7 +2118,7 @@
           <a:p>
             <a:fld id="{E15B7D8E-2A20-4C0E-991C-872DBB7459A8}" type="datetimeFigureOut">
               <a:rPr lang="da-DK" smtClean="0"/>
-              <a:t>08-10-2017</a:t>
+              <a:t>24-02-2018</a:t>
             </a:fld>
             <a:endParaRPr lang="da-DK"/>
           </a:p>
@@ -2370,7 +2371,7 @@
           <a:p>
             <a:fld id="{E15B7D8E-2A20-4C0E-991C-872DBB7459A8}" type="datetimeFigureOut">
               <a:rPr lang="da-DK" smtClean="0"/>
-              <a:t>08-10-2017</a:t>
+              <a:t>24-02-2018</a:t>
             </a:fld>
             <a:endParaRPr lang="da-DK"/>
           </a:p>
@@ -2583,7 +2584,7 @@
           <a:p>
             <a:fld id="{E15B7D8E-2A20-4C0E-991C-872DBB7459A8}" type="datetimeFigureOut">
               <a:rPr lang="da-DK" smtClean="0"/>
-              <a:t>08-10-2017</a:t>
+              <a:t>24-02-2018</a:t>
             </a:fld>
             <a:endParaRPr lang="da-DK"/>
           </a:p>
@@ -3000,7 +3001,7 @@
         </p:nvSpPr>
         <p:spPr>
           <a:xfrm>
-            <a:off x="1524000" y="1122362"/>
+            <a:off x="1524000" y="1068218"/>
             <a:ext cx="9144000" cy="4289531"/>
           </a:xfrm>
         </p:spPr>
@@ -3050,11 +3051,7 @@
             </a:r>
             <a:r>
               <a:rPr lang="da-DK" sz="9600" smtClean="0"/>
-              <a:t>ourself</a:t>
-            </a:r>
-            <a:r>
-              <a:rPr lang="da-DK" sz="9600" smtClean="0"/>
-              <a:t> </a:t>
+              <a:t>ourself </a:t>
             </a:r>
             <a:endParaRPr lang="da-DK" sz="9600">
               <a:solidFill>
@@ -3155,16 +3152,7 @@
                 </a:solidFill>
                 <a:latin typeface="Consolas" panose="020B0609020204030204" pitchFamily="49" charset="0"/>
               </a:rPr>
-              <a:t>public const </a:t>
-            </a:r>
-            <a:r>
-              <a:rPr lang="da-DK" b="1">
-                <a:solidFill>
-                  <a:srgbClr val="0070C0"/>
-                </a:solidFill>
-                <a:latin typeface="Consolas" panose="020B0609020204030204" pitchFamily="49" charset="0"/>
-              </a:rPr>
-              <a:t>int </a:t>
+              <a:t>public const int </a:t>
             </a:r>
             <a:r>
               <a:rPr lang="da-DK" b="1" smtClean="0">
@@ -3240,113 +3228,89 @@
               <a:rPr lang="da-DK" b="1">
                 <a:latin typeface="Consolas" panose="020B0609020204030204" pitchFamily="49" charset="0"/>
               </a:rPr>
-              <a:t> x = 0; x </a:t>
+              <a:t> x = 0; x &lt; xDimension</a:t>
+            </a:r>
+            <a:r>
+              <a:rPr lang="da-DK" b="1" smtClean="0">
+                <a:latin typeface="Consolas" panose="020B0609020204030204" pitchFamily="49" charset="0"/>
+              </a:rPr>
+              <a:t>; </a:t>
             </a:r>
             <a:r>
               <a:rPr lang="da-DK" b="1">
                 <a:latin typeface="Consolas" panose="020B0609020204030204" pitchFamily="49" charset="0"/>
               </a:rPr>
-              <a:t>&lt; </a:t>
+              <a:t>x++)</a:t>
+            </a:r>
+          </a:p>
+          <a:p>
+            <a:r>
+              <a:rPr lang="da-DK" b="1" smtClean="0">
+                <a:latin typeface="Consolas" panose="020B0609020204030204" pitchFamily="49" charset="0"/>
+              </a:rPr>
+              <a:t>{</a:t>
+            </a:r>
+          </a:p>
+          <a:p>
+            <a:r>
+              <a:rPr lang="da-DK" b="1" smtClean="0">
+                <a:solidFill>
+                  <a:srgbClr val="0070C0"/>
+                </a:solidFill>
+                <a:latin typeface="Consolas" panose="020B0609020204030204" pitchFamily="49" charset="0"/>
+              </a:rPr>
+              <a:t>   for</a:t>
+            </a:r>
+            <a:r>
+              <a:rPr lang="da-DK" b="1" smtClean="0">
+                <a:latin typeface="Consolas" panose="020B0609020204030204" pitchFamily="49" charset="0"/>
+              </a:rPr>
+              <a:t> </a:t>
             </a:r>
             <a:r>
               <a:rPr lang="da-DK" b="1">
                 <a:latin typeface="Consolas" panose="020B0609020204030204" pitchFamily="49" charset="0"/>
               </a:rPr>
-              <a:t>xDimension</a:t>
+              <a:t>(</a:t>
+            </a:r>
+            <a:r>
+              <a:rPr lang="da-DK" b="1">
+                <a:solidFill>
+                  <a:srgbClr val="0070C0"/>
+                </a:solidFill>
+                <a:latin typeface="Consolas" panose="020B0609020204030204" pitchFamily="49" charset="0"/>
+              </a:rPr>
+              <a:t>int</a:t>
+            </a:r>
+            <a:r>
+              <a:rPr lang="da-DK" b="1">
+                <a:latin typeface="Consolas" panose="020B0609020204030204" pitchFamily="49" charset="0"/>
+              </a:rPr>
+              <a:t> </a:t>
             </a:r>
             <a:r>
               <a:rPr lang="da-DK" b="1" smtClean="0">
                 <a:latin typeface="Consolas" panose="020B0609020204030204" pitchFamily="49" charset="0"/>
               </a:rPr>
-              <a:t>; </a:t>
+              <a:t>y </a:t>
             </a:r>
             <a:r>
               <a:rPr lang="da-DK" b="1">
                 <a:latin typeface="Consolas" panose="020B0609020204030204" pitchFamily="49" charset="0"/>
               </a:rPr>
-              <a:t>x++)</a:t>
-            </a:r>
-          </a:p>
-          <a:p>
+              <a:t>= 0; </a:t>
+            </a:r>
             <a:r>
               <a:rPr lang="da-DK" b="1" smtClean="0">
                 <a:latin typeface="Consolas" panose="020B0609020204030204" pitchFamily="49" charset="0"/>
               </a:rPr>
-              <a:t>{</a:t>
-            </a:r>
-          </a:p>
-          <a:p>
-            <a:r>
-              <a:rPr lang="da-DK" b="1" smtClean="0">
-                <a:solidFill>
-                  <a:srgbClr val="0070C0"/>
-                </a:solidFill>
-                <a:latin typeface="Consolas" panose="020B0609020204030204" pitchFamily="49" charset="0"/>
-              </a:rPr>
-              <a:t>   for</a:t>
-            </a:r>
-            <a:r>
-              <a:rPr lang="da-DK" b="1" smtClean="0">
-                <a:latin typeface="Consolas" panose="020B0609020204030204" pitchFamily="49" charset="0"/>
-              </a:rPr>
-              <a:t> </a:t>
+              <a:t>y </a:t>
             </a:r>
             <a:r>
               <a:rPr lang="da-DK" b="1">
                 <a:latin typeface="Consolas" panose="020B0609020204030204" pitchFamily="49" charset="0"/>
               </a:rPr>
-              <a:t>(</a:t>
-            </a:r>
-            <a:r>
-              <a:rPr lang="da-DK" b="1">
-                <a:solidFill>
-                  <a:srgbClr val="0070C0"/>
-                </a:solidFill>
-                <a:latin typeface="Consolas" panose="020B0609020204030204" pitchFamily="49" charset="0"/>
-              </a:rPr>
-              <a:t>int</a:t>
-            </a:r>
-            <a:r>
-              <a:rPr lang="da-DK" b="1">
-                <a:latin typeface="Consolas" panose="020B0609020204030204" pitchFamily="49" charset="0"/>
-              </a:rPr>
-              <a:t> </a:t>
-            </a:r>
-            <a:r>
-              <a:rPr lang="da-DK" b="1" smtClean="0">
-                <a:latin typeface="Consolas" panose="020B0609020204030204" pitchFamily="49" charset="0"/>
-              </a:rPr>
-              <a:t>y </a:t>
-            </a:r>
-            <a:r>
-              <a:rPr lang="da-DK" b="1">
-                <a:latin typeface="Consolas" panose="020B0609020204030204" pitchFamily="49" charset="0"/>
-              </a:rPr>
-              <a:t>= 0</a:t>
-            </a:r>
-            <a:r>
-              <a:rPr lang="da-DK" b="1">
-                <a:latin typeface="Consolas" panose="020B0609020204030204" pitchFamily="49" charset="0"/>
-              </a:rPr>
-              <a:t>; </a:t>
-            </a:r>
-            <a:r>
-              <a:rPr lang="da-DK" b="1" smtClean="0">
-                <a:latin typeface="Consolas" panose="020B0609020204030204" pitchFamily="49" charset="0"/>
-              </a:rPr>
-              <a:t>y </a:t>
-            </a:r>
-            <a:r>
-              <a:rPr lang="da-DK" b="1">
-                <a:latin typeface="Consolas" panose="020B0609020204030204" pitchFamily="49" charset="0"/>
-              </a:rPr>
-              <a:t>&lt; </a:t>
-            </a:r>
-            <a:r>
-              <a:rPr lang="da-DK" b="1">
-                <a:latin typeface="Consolas" panose="020B0609020204030204" pitchFamily="49" charset="0"/>
-              </a:rPr>
-              <a:t>yDimension</a:t>
+              <a:t>&lt; yDimension</a:t>
             </a:r>
             <a:r>
               <a:rPr lang="da-DK" b="1" smtClean="0">
@@ -3493,42 +3457,45 @@
               <a:rPr lang="da-DK" b="1">
                 <a:latin typeface="Consolas" panose="020B0609020204030204" pitchFamily="49" charset="0"/>
               </a:rPr>
-              <a:t> x = 0; x </a:t>
+              <a:t> x = 0; x &lt; xDimension</a:t>
+            </a:r>
+            <a:r>
+              <a:rPr lang="da-DK" b="1" smtClean="0">
+                <a:latin typeface="Consolas" panose="020B0609020204030204" pitchFamily="49" charset="0"/>
+              </a:rPr>
+              <a:t>; </a:t>
             </a:r>
             <a:r>
               <a:rPr lang="da-DK" b="1">
                 <a:latin typeface="Consolas" panose="020B0609020204030204" pitchFamily="49" charset="0"/>
               </a:rPr>
-              <a:t>&lt; </a:t>
-            </a:r>
+              <a:t>x++)</a:t>
+            </a:r>
+          </a:p>
+          <a:p>
             <a:r>
               <a:rPr lang="da-DK" b="1">
                 <a:latin typeface="Consolas" panose="020B0609020204030204" pitchFamily="49" charset="0"/>
               </a:rPr>
-              <a:t>xDimension</a:t>
-            </a:r>
-            <a:r>
-              <a:rPr lang="da-DK" b="1" smtClean="0">
-                <a:latin typeface="Consolas" panose="020B0609020204030204" pitchFamily="49" charset="0"/>
-              </a:rPr>
-              <a:t>; </a:t>
-            </a:r>
+              <a:t>{</a:t>
+            </a:r>
+          </a:p>
+          <a:p>
             <a:r>
               <a:rPr lang="da-DK" b="1">
-                <a:latin typeface="Consolas" panose="020B0609020204030204" pitchFamily="49" charset="0"/>
-              </a:rPr>
-              <a:t>x++)</a:t>
-            </a:r>
-          </a:p>
-          <a:p>
+                <a:solidFill>
+                  <a:srgbClr val="0070C0"/>
+                </a:solidFill>
+                <a:latin typeface="Consolas" panose="020B0609020204030204" pitchFamily="49" charset="0"/>
+              </a:rPr>
+              <a:t>   for</a:t>
+            </a:r>
             <a:r>
               <a:rPr lang="da-DK" b="1">
                 <a:latin typeface="Consolas" panose="020B0609020204030204" pitchFamily="49" charset="0"/>
               </a:rPr>
-              <a:t>{</a:t>
-            </a:r>
-          </a:p>
-          <a:p>
+              <a:t> (</a:t>
+            </a:r>
             <a:r>
               <a:rPr lang="da-DK" b="1">
                 <a:solidFill>
@@ -3536,40 +3503,13 @@
                 </a:solidFill>
                 <a:latin typeface="Consolas" panose="020B0609020204030204" pitchFamily="49" charset="0"/>
               </a:rPr>
-              <a:t>   for</a:t>
+              <a:t>int</a:t>
             </a:r>
             <a:r>
               <a:rPr lang="da-DK" b="1">
                 <a:latin typeface="Consolas" panose="020B0609020204030204" pitchFamily="49" charset="0"/>
               </a:rPr>
-              <a:t> (</a:t>
-            </a:r>
-            <a:r>
-              <a:rPr lang="da-DK" b="1">
-                <a:solidFill>
-                  <a:srgbClr val="0070C0"/>
-                </a:solidFill>
-                <a:latin typeface="Consolas" panose="020B0609020204030204" pitchFamily="49" charset="0"/>
-              </a:rPr>
-              <a:t>int</a:t>
-            </a:r>
-            <a:r>
-              <a:rPr lang="da-DK" b="1">
-                <a:latin typeface="Consolas" panose="020B0609020204030204" pitchFamily="49" charset="0"/>
-              </a:rPr>
-              <a:t> y = 0; y </a:t>
-            </a:r>
-            <a:r>
-              <a:rPr lang="da-DK" b="1">
-                <a:latin typeface="Consolas" panose="020B0609020204030204" pitchFamily="49" charset="0"/>
-              </a:rPr>
-              <a:t>&lt; </a:t>
-            </a:r>
-            <a:r>
-              <a:rPr lang="da-DK" b="1">
-                <a:latin typeface="Consolas" panose="020B0609020204030204" pitchFamily="49" charset="0"/>
-              </a:rPr>
-              <a:t>yDimension</a:t>
+              <a:t> y = 0; y &lt; yDimension</a:t>
             </a:r>
             <a:r>
               <a:rPr lang="da-DK" b="1" smtClean="0">
@@ -3840,6 +3780,90 @@
               </a:rPr>
               <a:t>Die</a:t>
             </a:r>
+          </a:p>
+          <a:p>
+            <a:r>
+              <a:rPr lang="da-DK" sz="2400" b="1" smtClean="0">
+                <a:latin typeface="Consolas" panose="020B0609020204030204" pitchFamily="49" charset="0"/>
+              </a:rPr>
+              <a:t>{</a:t>
+            </a:r>
+          </a:p>
+          <a:p>
+            <a:r>
+              <a:rPr lang="da-DK" sz="2400" b="1" smtClean="0">
+                <a:solidFill>
+                  <a:srgbClr val="0070C0"/>
+                </a:solidFill>
+                <a:latin typeface="Consolas" panose="020B0609020204030204" pitchFamily="49" charset="0"/>
+              </a:rPr>
+              <a:t>   </a:t>
+            </a:r>
+            <a:r>
+              <a:rPr lang="da-DK" sz="2400" b="1">
+                <a:solidFill>
+                  <a:srgbClr val="0070C0"/>
+                </a:solidFill>
+                <a:latin typeface="Consolas" panose="020B0609020204030204" pitchFamily="49" charset="0"/>
+              </a:rPr>
+              <a:t>public</a:t>
+            </a:r>
+            <a:r>
+              <a:rPr lang="da-DK" sz="2400" b="1" smtClean="0">
+                <a:latin typeface="Consolas" panose="020B0609020204030204" pitchFamily="49" charset="0"/>
+              </a:rPr>
+              <a:t> Die()</a:t>
+            </a:r>
+            <a:endParaRPr lang="da-DK" sz="2400" b="1">
+              <a:latin typeface="Consolas" panose="020B0609020204030204" pitchFamily="49" charset="0"/>
+            </a:endParaRPr>
+          </a:p>
+          <a:p>
+            <a:r>
+              <a:rPr lang="da-DK" sz="2400" b="1" smtClean="0">
+                <a:latin typeface="Consolas" panose="020B0609020204030204" pitchFamily="49" charset="0"/>
+              </a:rPr>
+              <a:t>   {</a:t>
+            </a:r>
+            <a:endParaRPr lang="da-DK" sz="2400" b="1">
+              <a:latin typeface="Consolas" panose="020B0609020204030204" pitchFamily="49" charset="0"/>
+            </a:endParaRPr>
+          </a:p>
+          <a:p>
+            <a:r>
+              <a:rPr lang="da-DK" sz="2400" b="1">
+                <a:latin typeface="Consolas" panose="020B0609020204030204" pitchFamily="49" charset="0"/>
+              </a:rPr>
+              <a:t>   </a:t>
+            </a:r>
+            <a:r>
+              <a:rPr lang="da-DK" sz="2400" b="1" smtClean="0">
+                <a:latin typeface="Consolas" panose="020B0609020204030204" pitchFamily="49" charset="0"/>
+              </a:rPr>
+              <a:t>   </a:t>
+            </a:r>
+            <a:r>
+              <a:rPr lang="da-DK" sz="2400" b="1">
+                <a:solidFill>
+                  <a:schemeClr val="accent6">
+                    <a:lumMod val="75000"/>
+                  </a:schemeClr>
+                </a:solidFill>
+                <a:latin typeface="Consolas" panose="020B0609020204030204" pitchFamily="49" charset="0"/>
+              </a:rPr>
+              <a:t>// </a:t>
+            </a:r>
+            <a:r>
+              <a:rPr lang="da-DK" sz="2400" b="1" smtClean="0">
+                <a:solidFill>
+                  <a:schemeClr val="accent6">
+                    <a:lumMod val="75000"/>
+                  </a:schemeClr>
+                </a:solidFill>
+                <a:latin typeface="Consolas" panose="020B0609020204030204" pitchFamily="49" charset="0"/>
+              </a:rPr>
+              <a:t>…</a:t>
+            </a:r>
             <a:endParaRPr lang="da-DK" sz="2400" b="1">
               <a:solidFill>
                 <a:schemeClr val="accent6">
@@ -3854,34 +3878,10 @@
               <a:rPr lang="da-DK" sz="2400" b="1" smtClean="0">
                 <a:latin typeface="Consolas" panose="020B0609020204030204" pitchFamily="49" charset="0"/>
               </a:rPr>
-              <a:t>{</a:t>
-            </a:r>
-          </a:p>
-          <a:p>
-            <a:r>
-              <a:rPr lang="da-DK" sz="2400" b="1" smtClean="0">
-                <a:solidFill>
-                  <a:srgbClr val="0070C0"/>
-                </a:solidFill>
-                <a:latin typeface="Consolas" panose="020B0609020204030204" pitchFamily="49" charset="0"/>
-              </a:rPr>
-              <a:t>   </a:t>
-            </a:r>
-            <a:r>
-              <a:rPr lang="da-DK" sz="2400" b="1">
-                <a:solidFill>
-                  <a:srgbClr val="0070C0"/>
-                </a:solidFill>
-                <a:latin typeface="Consolas" panose="020B0609020204030204" pitchFamily="49" charset="0"/>
-              </a:rPr>
-              <a:t>public</a:t>
-            </a:r>
-            <a:r>
-              <a:rPr lang="da-DK" sz="2400" b="1" smtClean="0">
-                <a:latin typeface="Consolas" panose="020B0609020204030204" pitchFamily="49" charset="0"/>
-              </a:rPr>
-              <a:t> Die()</a:t>
-            </a:r>
+              <a:t>   }</a:t>
+            </a:r>
+          </a:p>
+          <a:p>
             <a:endParaRPr lang="da-DK" sz="2400" b="1">
               <a:latin typeface="Consolas" panose="020B0609020204030204" pitchFamily="49" charset="0"/>
             </a:endParaRPr>
@@ -3891,7 +3891,22 @@
               <a:rPr lang="da-DK" sz="2400" b="1" smtClean="0">
                 <a:latin typeface="Consolas" panose="020B0609020204030204" pitchFamily="49" charset="0"/>
               </a:rPr>
-              <a:t>   {</a:t>
+              <a:t>   </a:t>
+            </a:r>
+            <a:r>
+              <a:rPr lang="da-DK" sz="2400" b="1" smtClean="0">
+                <a:solidFill>
+                  <a:srgbClr val="0070C0"/>
+                </a:solidFill>
+                <a:latin typeface="Consolas" panose="020B0609020204030204" pitchFamily="49" charset="0"/>
+              </a:rPr>
+              <a:t>public void</a:t>
+            </a:r>
+            <a:r>
+              <a:rPr lang="da-DK" sz="2400" b="1" smtClean="0">
+                <a:latin typeface="Consolas" panose="020B0609020204030204" pitchFamily="49" charset="0"/>
+              </a:rPr>
+              <a:t> Roll()</a:t>
             </a:r>
             <a:endParaRPr lang="da-DK" sz="2400" b="1">
               <a:latin typeface="Consolas" panose="020B0609020204030204" pitchFamily="49" charset="0"/>
@@ -3902,123 +3917,31 @@
               <a:rPr lang="da-DK" sz="2400" b="1">
                 <a:latin typeface="Consolas" panose="020B0609020204030204" pitchFamily="49" charset="0"/>
               </a:rPr>
-              <a:t>   </a:t>
-            </a:r>
-            <a:r>
-              <a:rPr lang="da-DK" sz="2400" b="1" smtClean="0">
-                <a:latin typeface="Consolas" panose="020B0609020204030204" pitchFamily="49" charset="0"/>
-              </a:rPr>
-              <a:t>   </a:t>
-            </a:r>
+              <a:t>   {</a:t>
+            </a:r>
+          </a:p>
+          <a:p>
             <a:r>
               <a:rPr lang="da-DK" sz="2400" b="1">
-                <a:solidFill>
-                  <a:schemeClr val="accent6">
-                    <a:lumMod val="75000"/>
-                  </a:schemeClr>
-                </a:solidFill>
-                <a:latin typeface="Consolas" panose="020B0609020204030204" pitchFamily="49" charset="0"/>
-              </a:rPr>
-              <a:t>// </a:t>
-            </a:r>
-            <a:r>
-              <a:rPr lang="da-DK" sz="2400" b="1" smtClean="0">
-                <a:solidFill>
-                  <a:schemeClr val="accent6">
-                    <a:lumMod val="75000"/>
-                  </a:schemeClr>
-                </a:solidFill>
-                <a:latin typeface="Consolas" panose="020B0609020204030204" pitchFamily="49" charset="0"/>
-              </a:rPr>
-              <a:t>…</a:t>
-            </a:r>
-            <a:endParaRPr lang="da-DK" sz="2400" b="1">
-              <a:solidFill>
-                <a:schemeClr val="accent6">
-                  <a:lumMod val="75000"/>
-                </a:schemeClr>
-              </a:solidFill>
-              <a:latin typeface="Consolas" panose="020B0609020204030204" pitchFamily="49" charset="0"/>
-            </a:endParaRPr>
-          </a:p>
-          <a:p>
-            <a:r>
-              <a:rPr lang="da-DK" sz="2400" b="1" smtClean="0">
-                <a:latin typeface="Consolas" panose="020B0609020204030204" pitchFamily="49" charset="0"/>
-              </a:rPr>
-              <a:t>   }</a:t>
-            </a:r>
-          </a:p>
-          <a:p>
-            <a:endParaRPr lang="da-DK" sz="2400" b="1">
-              <a:latin typeface="Consolas" panose="020B0609020204030204" pitchFamily="49" charset="0"/>
-            </a:endParaRPr>
-          </a:p>
-          <a:p>
-            <a:r>
-              <a:rPr lang="da-DK" sz="2400" b="1" smtClean="0">
-                <a:latin typeface="Consolas" panose="020B0609020204030204" pitchFamily="49" charset="0"/>
-              </a:rPr>
-              <a:t>   </a:t>
-            </a:r>
-            <a:r>
-              <a:rPr lang="da-DK" sz="2400" b="1" smtClean="0">
-                <a:solidFill>
-                  <a:srgbClr val="0070C0"/>
-                </a:solidFill>
-                <a:latin typeface="Consolas" panose="020B0609020204030204" pitchFamily="49" charset="0"/>
-              </a:rPr>
-              <a:t>public void</a:t>
-            </a:r>
-            <a:r>
-              <a:rPr lang="da-DK" sz="2400" b="1" smtClean="0">
-                <a:latin typeface="Consolas" panose="020B0609020204030204" pitchFamily="49" charset="0"/>
-              </a:rPr>
-              <a:t> Roll()</a:t>
-            </a:r>
-            <a:endParaRPr lang="da-DK" sz="2400" b="1">
-              <a:latin typeface="Consolas" panose="020B0609020204030204" pitchFamily="49" charset="0"/>
-            </a:endParaRPr>
-          </a:p>
-          <a:p>
+                <a:latin typeface="Consolas" panose="020B0609020204030204" pitchFamily="49" charset="0"/>
+              </a:rPr>
+              <a:t>      _faceValue = _gen.Next(</a:t>
+            </a:r>
             <a:r>
               <a:rPr lang="da-DK" sz="2400" b="1">
-                <a:latin typeface="Consolas" panose="020B0609020204030204" pitchFamily="49" charset="0"/>
-              </a:rPr>
-              <a:t>   {</a:t>
-            </a:r>
-          </a:p>
-          <a:p>
+                <a:solidFill>
+                  <a:srgbClr val="FF0000"/>
+                </a:solidFill>
+                <a:latin typeface="Consolas" panose="020B0609020204030204" pitchFamily="49" charset="0"/>
+              </a:rPr>
+              <a:t>6</a:t>
+            </a:r>
             <a:r>
               <a:rPr lang="da-DK" sz="2400" b="1">
                 <a:latin typeface="Consolas" panose="020B0609020204030204" pitchFamily="49" charset="0"/>
               </a:rPr>
-              <a:t>      </a:t>
-            </a:r>
-            <a:r>
-              <a:rPr lang="da-DK" sz="2400" b="1">
-                <a:latin typeface="Consolas" panose="020B0609020204030204" pitchFamily="49" charset="0"/>
-              </a:rPr>
-              <a:t>_faceValue = _gen.Next(</a:t>
-            </a:r>
-            <a:r>
-              <a:rPr lang="da-DK" sz="2400" b="1">
-                <a:solidFill>
-                  <a:srgbClr val="FF0000"/>
-                </a:solidFill>
-                <a:latin typeface="Consolas" panose="020B0609020204030204" pitchFamily="49" charset="0"/>
-              </a:rPr>
-              <a:t>6</a:t>
-            </a:r>
-            <a:r>
-              <a:rPr lang="da-DK" sz="2400" b="1">
-                <a:latin typeface="Consolas" panose="020B0609020204030204" pitchFamily="49" charset="0"/>
-              </a:rPr>
               <a:t>) + 1;</a:t>
             </a:r>
-            <a:endParaRPr lang="da-DK" sz="2400" b="1">
-              <a:latin typeface="Consolas" panose="020B0609020204030204" pitchFamily="49" charset="0"/>
-            </a:endParaRPr>
           </a:p>
           <a:p>
             <a:r>
@@ -4089,11 +4012,11 @@
   <p:clrMapOvr>
     <a:masterClrMapping/>
   </p:clrMapOvr>
-  <mc:AlternateContent xmlns:mc="http://schemas.openxmlformats.org/markup-compatibility/2006">
-    <mc:Choice xmlns:p14="http://schemas.microsoft.com/office/powerpoint/2010/main" Requires="p14">
+  <mc:AlternateContent xmlns:mc="http://schemas.openxmlformats.org/markup-compatibility/2006" xmlns:p14="http://schemas.microsoft.com/office/powerpoint/2010/main">
+    <mc:Choice Requires="p14">
       <p:transition p14:dur="0"/>
     </mc:Choice>
-    <mc:Fallback>
+    <mc:Fallback xmlns="">
       <p:transition/>
     </mc:Fallback>
   </mc:AlternateContent>
@@ -4242,14 +4165,6 @@
               </a:rPr>
               <a:t>Die</a:t>
             </a:r>
-            <a:endParaRPr lang="da-DK" sz="2400" b="1">
-              <a:solidFill>
-                <a:schemeClr val="accent6">
-                  <a:lumMod val="75000"/>
-                </a:schemeClr>
-              </a:solidFill>
-              <a:latin typeface="Consolas" panose="020B0609020204030204" pitchFamily="49" charset="0"/>
-            </a:endParaRPr>
           </a:p>
           <a:p>
             <a:r>
@@ -4402,47 +4317,32 @@
               <a:rPr lang="da-DK" sz="2400" b="1">
                 <a:latin typeface="Consolas" panose="020B0609020204030204" pitchFamily="49" charset="0"/>
               </a:rPr>
-              <a:t>      </a:t>
+              <a:t>      _faceValue = _</a:t>
+            </a:r>
+            <a:r>
+              <a:rPr lang="da-DK" sz="2400" b="1" smtClean="0">
+                <a:latin typeface="Consolas" panose="020B0609020204030204" pitchFamily="49" charset="0"/>
+              </a:rPr>
+              <a:t>gen.Next(</a:t>
             </a:r>
             <a:r>
               <a:rPr lang="da-DK" sz="2400" b="1">
                 <a:latin typeface="Consolas" panose="020B0609020204030204" pitchFamily="49" charset="0"/>
               </a:rPr>
-              <a:t>_faceValue = </a:t>
+              <a:t>noOfFaces</a:t>
+            </a:r>
+            <a:r>
+              <a:rPr lang="da-DK" sz="2400" b="1" smtClean="0">
+                <a:latin typeface="Consolas" panose="020B0609020204030204" pitchFamily="49" charset="0"/>
+              </a:rPr>
+              <a:t>) </a:t>
             </a:r>
             <a:r>
               <a:rPr lang="da-DK" sz="2400" b="1">
                 <a:latin typeface="Consolas" panose="020B0609020204030204" pitchFamily="49" charset="0"/>
               </a:rPr>
-              <a:t>_</a:t>
-            </a:r>
-            <a:r>
-              <a:rPr lang="da-DK" sz="2400" b="1" smtClean="0">
-                <a:latin typeface="Consolas" panose="020B0609020204030204" pitchFamily="49" charset="0"/>
-              </a:rPr>
-              <a:t>gen.Next(</a:t>
-            </a:r>
-            <a:r>
-              <a:rPr lang="da-DK" sz="2400" b="1">
-                <a:latin typeface="Consolas" panose="020B0609020204030204" pitchFamily="49" charset="0"/>
-              </a:rPr>
-              <a:t>noOfFaces</a:t>
-            </a:r>
-            <a:r>
-              <a:rPr lang="da-DK" sz="2400" b="1" smtClean="0">
-                <a:latin typeface="Consolas" panose="020B0609020204030204" pitchFamily="49" charset="0"/>
-              </a:rPr>
-              <a:t>) </a:t>
-            </a:r>
-            <a:r>
-              <a:rPr lang="da-DK" sz="2400" b="1">
-                <a:latin typeface="Consolas" panose="020B0609020204030204" pitchFamily="49" charset="0"/>
-              </a:rPr>
               <a:t>+ 1;</a:t>
             </a:r>
-            <a:endParaRPr lang="da-DK" sz="2400" b="1">
-              <a:latin typeface="Consolas" panose="020B0609020204030204" pitchFamily="49" charset="0"/>
-            </a:endParaRPr>
           </a:p>
           <a:p>
             <a:r>
@@ -4637,7 +4537,7 @@
         <p:spPr>
           <a:xfrm>
             <a:off x="859641" y="754158"/>
-            <a:ext cx="5207945" cy="5509200"/>
+            <a:ext cx="8214617" cy="4893647"/>
           </a:xfrm>
           <a:prstGeom prst="rect">
             <a:avLst/>
@@ -4651,390 +4551,16 @@
           <a:lstStyle/>
           <a:p>
             <a:r>
-              <a:rPr lang="da-DK" sz="1600" b="1" smtClean="0">
+              <a:rPr lang="da-DK" sz="2400" b="1" smtClean="0">
                 <a:solidFill>
                   <a:srgbClr val="0070C0"/>
                 </a:solidFill>
                 <a:latin typeface="Consolas" panose="020B0609020204030204" pitchFamily="49" charset="0"/>
               </a:rPr>
-              <a:t>public </a:t>
-            </a:r>
-            <a:r>
-              <a:rPr lang="da-DK" sz="1600" b="1">
-                <a:solidFill>
-                  <a:srgbClr val="0070C0"/>
-                </a:solidFill>
-                <a:latin typeface="Consolas" panose="020B0609020204030204" pitchFamily="49" charset="0"/>
-              </a:rPr>
-              <a:t>class</a:t>
-            </a:r>
-            <a:r>
-              <a:rPr lang="da-DK" sz="1600" b="1">
-                <a:latin typeface="Consolas" panose="020B0609020204030204" pitchFamily="49" charset="0"/>
-              </a:rPr>
-              <a:t> C</a:t>
-            </a:r>
-          </a:p>
-          <a:p>
-            <a:r>
-              <a:rPr lang="da-DK" sz="1600" b="1" smtClean="0">
-                <a:latin typeface="Consolas" panose="020B0609020204030204" pitchFamily="49" charset="0"/>
-              </a:rPr>
-              <a:t>{</a:t>
-            </a:r>
-            <a:endParaRPr lang="da-DK" sz="1600" b="1">
-              <a:latin typeface="Consolas" panose="020B0609020204030204" pitchFamily="49" charset="0"/>
-            </a:endParaRPr>
-          </a:p>
-          <a:p>
-            <a:r>
-              <a:rPr lang="da-DK" sz="1600" b="1" smtClean="0">
-                <a:solidFill>
-                  <a:srgbClr val="0070C0"/>
-                </a:solidFill>
-                <a:latin typeface="Consolas" panose="020B0609020204030204" pitchFamily="49" charset="0"/>
-              </a:rPr>
-              <a:t>   private </a:t>
-            </a:r>
-            <a:r>
-              <a:rPr lang="da-DK" sz="1600" b="1">
-                <a:solidFill>
-                  <a:srgbClr val="0070C0"/>
-                </a:solidFill>
-                <a:latin typeface="Consolas" panose="020B0609020204030204" pitchFamily="49" charset="0"/>
-              </a:rPr>
-              <a:t>int</a:t>
-            </a:r>
-            <a:r>
-              <a:rPr lang="da-DK" sz="1600" b="1">
-                <a:latin typeface="Consolas" panose="020B0609020204030204" pitchFamily="49" charset="0"/>
-              </a:rPr>
-              <a:t> _a;</a:t>
-            </a:r>
-          </a:p>
-          <a:p>
-            <a:r>
-              <a:rPr lang="da-DK" sz="1600" b="1" smtClean="0">
-                <a:solidFill>
-                  <a:srgbClr val="0070C0"/>
-                </a:solidFill>
-                <a:latin typeface="Consolas" panose="020B0609020204030204" pitchFamily="49" charset="0"/>
-              </a:rPr>
-              <a:t>   private </a:t>
-            </a:r>
-            <a:r>
-              <a:rPr lang="da-DK" sz="1600" b="1">
-                <a:solidFill>
-                  <a:srgbClr val="0070C0"/>
-                </a:solidFill>
-                <a:latin typeface="Consolas" panose="020B0609020204030204" pitchFamily="49" charset="0"/>
-              </a:rPr>
-              <a:t>int</a:t>
-            </a:r>
-            <a:r>
-              <a:rPr lang="da-DK" sz="1600" b="1" smtClean="0">
-                <a:solidFill>
-                  <a:srgbClr val="0070C0"/>
-                </a:solidFill>
-                <a:latin typeface="Consolas" panose="020B0609020204030204" pitchFamily="49" charset="0"/>
-              </a:rPr>
-              <a:t> </a:t>
-            </a:r>
-            <a:r>
-              <a:rPr lang="da-DK" sz="1600" b="1">
-                <a:latin typeface="Consolas" panose="020B0609020204030204" pitchFamily="49" charset="0"/>
-              </a:rPr>
-              <a:t>_b;</a:t>
-            </a:r>
-          </a:p>
-          <a:p>
-            <a:endParaRPr lang="da-DK" sz="1600" b="1">
-              <a:latin typeface="Consolas" panose="020B0609020204030204" pitchFamily="49" charset="0"/>
-            </a:endParaRPr>
-          </a:p>
-          <a:p>
-            <a:r>
-              <a:rPr lang="da-DK" sz="1600" b="1" smtClean="0">
-                <a:latin typeface="Consolas" panose="020B0609020204030204" pitchFamily="49" charset="0"/>
-              </a:rPr>
-              <a:t>   //...</a:t>
-            </a:r>
-            <a:endParaRPr lang="da-DK" sz="1600" b="1">
-              <a:latin typeface="Consolas" panose="020B0609020204030204" pitchFamily="49" charset="0"/>
-            </a:endParaRPr>
-          </a:p>
-          <a:p>
-            <a:endParaRPr lang="da-DK" sz="1600" b="1">
-              <a:latin typeface="Consolas" panose="020B0609020204030204" pitchFamily="49" charset="0"/>
-            </a:endParaRPr>
-          </a:p>
-          <a:p>
-            <a:r>
-              <a:rPr lang="da-DK" sz="1600" b="1" smtClean="0">
-                <a:solidFill>
-                  <a:srgbClr val="0070C0"/>
-                </a:solidFill>
-                <a:latin typeface="Consolas" panose="020B0609020204030204" pitchFamily="49" charset="0"/>
-              </a:rPr>
-              <a:t>   public int</a:t>
-            </a:r>
-            <a:r>
-              <a:rPr lang="da-DK" sz="1600" b="1" smtClean="0">
-                <a:latin typeface="Consolas" panose="020B0609020204030204" pitchFamily="49" charset="0"/>
-              </a:rPr>
-              <a:t> </a:t>
-            </a:r>
-            <a:r>
-              <a:rPr lang="da-DK" sz="1600" b="1">
-                <a:latin typeface="Consolas" panose="020B0609020204030204" pitchFamily="49" charset="0"/>
-              </a:rPr>
-              <a:t>A</a:t>
-            </a:r>
-          </a:p>
-          <a:p>
-            <a:r>
-              <a:rPr lang="da-DK" sz="1600" b="1" smtClean="0">
-                <a:latin typeface="Consolas" panose="020B0609020204030204" pitchFamily="49" charset="0"/>
-              </a:rPr>
-              <a:t>   {</a:t>
-            </a:r>
-            <a:endParaRPr lang="da-DK" sz="1600" b="1">
-              <a:latin typeface="Consolas" panose="020B0609020204030204" pitchFamily="49" charset="0"/>
-            </a:endParaRPr>
-          </a:p>
-          <a:p>
-            <a:r>
-              <a:rPr lang="da-DK" sz="1600" b="1" smtClean="0">
-                <a:solidFill>
-                  <a:srgbClr val="0070C0"/>
-                </a:solidFill>
-                <a:latin typeface="Consolas" panose="020B0609020204030204" pitchFamily="49" charset="0"/>
-              </a:rPr>
-              <a:t>      get</a:t>
-            </a:r>
-            <a:r>
-              <a:rPr lang="da-DK" sz="1600" b="1" smtClean="0">
-                <a:latin typeface="Consolas" panose="020B0609020204030204" pitchFamily="49" charset="0"/>
-              </a:rPr>
-              <a:t> </a:t>
-            </a:r>
-            <a:r>
-              <a:rPr lang="da-DK" sz="1600" b="1">
-                <a:latin typeface="Consolas" panose="020B0609020204030204" pitchFamily="49" charset="0"/>
-              </a:rPr>
-              <a:t>{ </a:t>
-            </a:r>
-            <a:r>
-              <a:rPr lang="da-DK" sz="1600" b="1">
-                <a:solidFill>
-                  <a:srgbClr val="0070C0"/>
-                </a:solidFill>
-                <a:latin typeface="Consolas" panose="020B0609020204030204" pitchFamily="49" charset="0"/>
-              </a:rPr>
-              <a:t>return</a:t>
-            </a:r>
-            <a:r>
-              <a:rPr lang="da-DK" sz="1600" b="1">
-                <a:latin typeface="Consolas" panose="020B0609020204030204" pitchFamily="49" charset="0"/>
-              </a:rPr>
-              <a:t> _a; }</a:t>
-            </a:r>
-          </a:p>
-          <a:p>
-            <a:r>
-              <a:rPr lang="da-DK" sz="1600" b="1" smtClean="0">
-                <a:latin typeface="Consolas" panose="020B0609020204030204" pitchFamily="49" charset="0"/>
-              </a:rPr>
-              <a:t>   }</a:t>
-            </a:r>
-            <a:endParaRPr lang="da-DK" sz="1600" b="1">
-              <a:latin typeface="Consolas" panose="020B0609020204030204" pitchFamily="49" charset="0"/>
-            </a:endParaRPr>
-          </a:p>
-          <a:p>
-            <a:endParaRPr lang="da-DK" sz="1600" b="1">
-              <a:latin typeface="Consolas" panose="020B0609020204030204" pitchFamily="49" charset="0"/>
-            </a:endParaRPr>
-          </a:p>
-          <a:p>
-            <a:r>
-              <a:rPr lang="da-DK" sz="1600" b="1" smtClean="0">
-                <a:solidFill>
-                  <a:srgbClr val="0070C0"/>
-                </a:solidFill>
-                <a:latin typeface="Consolas" panose="020B0609020204030204" pitchFamily="49" charset="0"/>
-              </a:rPr>
-              <a:t>   public </a:t>
-            </a:r>
-            <a:r>
-              <a:rPr lang="da-DK" sz="1600" b="1">
-                <a:solidFill>
-                  <a:srgbClr val="0070C0"/>
-                </a:solidFill>
-                <a:latin typeface="Consolas" panose="020B0609020204030204" pitchFamily="49" charset="0"/>
-              </a:rPr>
-              <a:t>int</a:t>
-            </a:r>
-            <a:r>
-              <a:rPr lang="da-DK" sz="1600" b="1">
-                <a:latin typeface="Consolas" panose="020B0609020204030204" pitchFamily="49" charset="0"/>
-              </a:rPr>
-              <a:t> </a:t>
-            </a:r>
-            <a:r>
-              <a:rPr lang="da-DK" sz="1600" b="1" smtClean="0">
-                <a:latin typeface="Consolas" panose="020B0609020204030204" pitchFamily="49" charset="0"/>
-              </a:rPr>
-              <a:t>B</a:t>
-            </a:r>
-            <a:endParaRPr lang="da-DK" sz="1600" b="1">
-              <a:latin typeface="Consolas" panose="020B0609020204030204" pitchFamily="49" charset="0"/>
-            </a:endParaRPr>
-          </a:p>
-          <a:p>
-            <a:r>
-              <a:rPr lang="da-DK" sz="1600" b="1" smtClean="0">
-                <a:latin typeface="Consolas" panose="020B0609020204030204" pitchFamily="49" charset="0"/>
-              </a:rPr>
-              <a:t>   {</a:t>
-            </a:r>
-            <a:endParaRPr lang="da-DK" sz="1600" b="1">
-              <a:latin typeface="Consolas" panose="020B0609020204030204" pitchFamily="49" charset="0"/>
-            </a:endParaRPr>
-          </a:p>
-          <a:p>
-            <a:r>
-              <a:rPr lang="da-DK" sz="1600" b="1" smtClean="0">
-                <a:solidFill>
-                  <a:srgbClr val="0070C0"/>
-                </a:solidFill>
-                <a:latin typeface="Consolas" panose="020B0609020204030204" pitchFamily="49" charset="0"/>
-              </a:rPr>
-              <a:t>      get</a:t>
-            </a:r>
-            <a:r>
-              <a:rPr lang="da-DK" sz="1600" b="1" smtClean="0">
-                <a:latin typeface="Consolas" panose="020B0609020204030204" pitchFamily="49" charset="0"/>
-              </a:rPr>
-              <a:t> { </a:t>
-            </a:r>
-            <a:r>
-              <a:rPr lang="da-DK" sz="1600" b="1" smtClean="0">
-                <a:solidFill>
-                  <a:srgbClr val="0070C0"/>
-                </a:solidFill>
-                <a:latin typeface="Consolas" panose="020B0609020204030204" pitchFamily="49" charset="0"/>
-              </a:rPr>
-              <a:t>return</a:t>
-            </a:r>
-            <a:r>
-              <a:rPr lang="da-DK" sz="1600" b="1" smtClean="0">
-                <a:latin typeface="Consolas" panose="020B0609020204030204" pitchFamily="49" charset="0"/>
-              </a:rPr>
-              <a:t> </a:t>
-            </a:r>
-            <a:r>
-              <a:rPr lang="da-DK" sz="1600" b="1">
-                <a:latin typeface="Consolas" panose="020B0609020204030204" pitchFamily="49" charset="0"/>
-              </a:rPr>
-              <a:t>_b; }</a:t>
-            </a:r>
-          </a:p>
-          <a:p>
-            <a:r>
-              <a:rPr lang="da-DK" sz="1600" b="1" smtClean="0">
-                <a:latin typeface="Consolas" panose="020B0609020204030204" pitchFamily="49" charset="0"/>
-              </a:rPr>
-              <a:t>   }</a:t>
-            </a:r>
-            <a:endParaRPr lang="da-DK" sz="1600" b="1">
-              <a:latin typeface="Consolas" panose="020B0609020204030204" pitchFamily="49" charset="0"/>
-            </a:endParaRPr>
-          </a:p>
-          <a:p>
-            <a:endParaRPr lang="da-DK" sz="1600" b="1">
-              <a:latin typeface="Consolas" panose="020B0609020204030204" pitchFamily="49" charset="0"/>
-            </a:endParaRPr>
-          </a:p>
-          <a:p>
-            <a:r>
-              <a:rPr lang="da-DK" sz="1600" b="1" smtClean="0">
-                <a:solidFill>
-                  <a:srgbClr val="0070C0"/>
-                </a:solidFill>
-                <a:latin typeface="Consolas" panose="020B0609020204030204" pitchFamily="49" charset="0"/>
-              </a:rPr>
-              <a:t>   public </a:t>
-            </a:r>
-            <a:r>
-              <a:rPr lang="da-DK" sz="1600" b="1">
-                <a:solidFill>
-                  <a:srgbClr val="0070C0"/>
-                </a:solidFill>
-                <a:latin typeface="Consolas" panose="020B0609020204030204" pitchFamily="49" charset="0"/>
-              </a:rPr>
-              <a:t>int</a:t>
-            </a:r>
-            <a:r>
-              <a:rPr lang="da-DK" sz="1600" b="1">
-                <a:latin typeface="Consolas" panose="020B0609020204030204" pitchFamily="49" charset="0"/>
-              </a:rPr>
-              <a:t> </a:t>
-            </a:r>
-            <a:r>
-              <a:rPr lang="da-DK" sz="1600" b="1" smtClean="0">
-                <a:latin typeface="Consolas" panose="020B0609020204030204" pitchFamily="49" charset="0"/>
-              </a:rPr>
-              <a:t>P</a:t>
-            </a:r>
-            <a:endParaRPr lang="da-DK" sz="1600" b="1">
-              <a:latin typeface="Consolas" panose="020B0609020204030204" pitchFamily="49" charset="0"/>
-            </a:endParaRPr>
-          </a:p>
-          <a:p>
-            <a:r>
-              <a:rPr lang="da-DK" sz="1600" b="1" smtClean="0">
-                <a:latin typeface="Consolas" panose="020B0609020204030204" pitchFamily="49" charset="0"/>
-              </a:rPr>
-              <a:t>   {</a:t>
-            </a:r>
-            <a:endParaRPr lang="da-DK" sz="1600" b="1">
-              <a:latin typeface="Consolas" panose="020B0609020204030204" pitchFamily="49" charset="0"/>
-            </a:endParaRPr>
-          </a:p>
-          <a:p>
-            <a:r>
-              <a:rPr lang="da-DK" sz="1600" b="1" smtClean="0">
-                <a:solidFill>
-                  <a:srgbClr val="0070C0"/>
-                </a:solidFill>
-                <a:latin typeface="Consolas" panose="020B0609020204030204" pitchFamily="49" charset="0"/>
-              </a:rPr>
-              <a:t>      get</a:t>
-            </a:r>
-            <a:r>
-              <a:rPr lang="da-DK" sz="1600" b="1" smtClean="0">
-                <a:latin typeface="Consolas" panose="020B0609020204030204" pitchFamily="49" charset="0"/>
-              </a:rPr>
-              <a:t> {</a:t>
-            </a:r>
-            <a:r>
-              <a:rPr lang="da-DK" sz="1600" b="1">
-                <a:solidFill>
-                  <a:srgbClr val="0070C0"/>
-                </a:solidFill>
-                <a:latin typeface="Consolas" panose="020B0609020204030204" pitchFamily="49" charset="0"/>
-              </a:rPr>
-              <a:t>return</a:t>
-            </a:r>
-            <a:r>
-              <a:rPr lang="da-DK" sz="1600" b="1" smtClean="0">
-                <a:latin typeface="Consolas" panose="020B0609020204030204" pitchFamily="49" charset="0"/>
-              </a:rPr>
-              <a:t> </a:t>
-            </a:r>
-            <a:r>
-              <a:rPr lang="da-DK" sz="1600" b="1" smtClean="0">
+              <a:t>public class </a:t>
+            </a:r>
+            <a:r>
+              <a:rPr lang="da-DK" sz="2400" b="1" smtClean="0">
                 <a:solidFill>
                   <a:schemeClr val="accent6">
                     <a:lumMod val="75000"/>
@@ -5042,142 +4568,380 @@
                 </a:solidFill>
                 <a:latin typeface="Consolas" panose="020B0609020204030204" pitchFamily="49" charset="0"/>
               </a:rPr>
-              <a:t>/* calculate */</a:t>
-            </a:r>
-            <a:r>
-              <a:rPr lang="da-DK" sz="1600" b="1" smtClean="0">
-                <a:latin typeface="Consolas" panose="020B0609020204030204" pitchFamily="49" charset="0"/>
-              </a:rPr>
-              <a:t>; </a:t>
-            </a:r>
-            <a:r>
-              <a:rPr lang="da-DK" sz="1600" b="1">
-                <a:latin typeface="Consolas" panose="020B0609020204030204" pitchFamily="49" charset="0"/>
-              </a:rPr>
-              <a:t>}</a:t>
-            </a:r>
-          </a:p>
-          <a:p>
-            <a:r>
-              <a:rPr lang="da-DK" sz="1600" b="1" smtClean="0">
-                <a:latin typeface="Consolas" panose="020B0609020204030204" pitchFamily="49" charset="0"/>
-              </a:rPr>
-              <a:t>   }</a:t>
-            </a:r>
-            <a:endParaRPr lang="da-DK" sz="1600" b="1">
+              <a:t>Human</a:t>
+            </a:r>
+            <a:endParaRPr lang="da-DK" sz="2400" b="1">
+              <a:solidFill>
+                <a:schemeClr val="accent6">
+                  <a:lumMod val="75000"/>
+                </a:schemeClr>
+              </a:solidFill>
               <a:latin typeface="Consolas" panose="020B0609020204030204" pitchFamily="49" charset="0"/>
             </a:endParaRPr>
           </a:p>
           <a:p>
             <a:r>
-              <a:rPr lang="da-DK" sz="1600" b="1" smtClean="0">
-                <a:latin typeface="Consolas" panose="020B0609020204030204" pitchFamily="49" charset="0"/>
-              </a:rPr>
-              <a:t>}</a:t>
-            </a:r>
-            <a:endParaRPr lang="da-DK" sz="1600" b="1">
+              <a:rPr lang="da-DK" sz="2400" b="1" smtClean="0">
+                <a:latin typeface="Consolas" panose="020B0609020204030204" pitchFamily="49" charset="0"/>
+              </a:rPr>
+              <a:t>{</a:t>
+            </a:r>
+          </a:p>
+          <a:p>
+            <a:r>
+              <a:rPr lang="da-DK" sz="2400" b="1" smtClean="0">
+                <a:latin typeface="Consolas" panose="020B0609020204030204" pitchFamily="49" charset="0"/>
+              </a:rPr>
+              <a:t>   </a:t>
+            </a:r>
+            <a:r>
+              <a:rPr lang="da-DK" sz="2400" b="1" smtClean="0">
+                <a:solidFill>
+                  <a:srgbClr val="0070C0"/>
+                </a:solidFill>
+                <a:latin typeface="Consolas" panose="020B0609020204030204" pitchFamily="49" charset="0"/>
+              </a:rPr>
+              <a:t>private </a:t>
+            </a:r>
+            <a:r>
+              <a:rPr lang="da-DK" sz="2400" b="1" smtClean="0">
+                <a:solidFill>
+                  <a:srgbClr val="0070C0"/>
+                </a:solidFill>
+                <a:latin typeface="Consolas" panose="020B0609020204030204" pitchFamily="49" charset="0"/>
+              </a:rPr>
+              <a:t>double</a:t>
+            </a:r>
+            <a:r>
+              <a:rPr lang="da-DK" sz="2400" b="1" smtClean="0">
+                <a:latin typeface="Consolas" panose="020B0609020204030204" pitchFamily="49" charset="0"/>
+              </a:rPr>
+              <a:t> _weight;</a:t>
+            </a:r>
+          </a:p>
+          <a:p>
+            <a:r>
+              <a:rPr lang="da-DK" sz="2400" b="1" smtClean="0">
+                <a:solidFill>
+                  <a:srgbClr val="0070C0"/>
+                </a:solidFill>
+                <a:latin typeface="Consolas" panose="020B0609020204030204" pitchFamily="49" charset="0"/>
+              </a:rPr>
+              <a:t>   private </a:t>
+            </a:r>
+            <a:r>
+              <a:rPr lang="da-DK" sz="2400" b="1">
+                <a:solidFill>
+                  <a:srgbClr val="0070C0"/>
+                </a:solidFill>
+                <a:latin typeface="Consolas" panose="020B0609020204030204" pitchFamily="49" charset="0"/>
+              </a:rPr>
+              <a:t>double</a:t>
+            </a:r>
+            <a:r>
+              <a:rPr lang="da-DK" sz="2400" b="1">
+                <a:latin typeface="Consolas" panose="020B0609020204030204" pitchFamily="49" charset="0"/>
+              </a:rPr>
+              <a:t> </a:t>
+            </a:r>
+            <a:r>
+              <a:rPr lang="da-DK" sz="2400" b="1" smtClean="0">
+                <a:latin typeface="Consolas" panose="020B0609020204030204" pitchFamily="49" charset="0"/>
+              </a:rPr>
+              <a:t>_height;</a:t>
+            </a:r>
+          </a:p>
+          <a:p>
+            <a:r>
+              <a:rPr lang="da-DK" sz="2400" b="1">
+                <a:latin typeface="Consolas" panose="020B0609020204030204" pitchFamily="49" charset="0"/>
+              </a:rPr>
+              <a:t> </a:t>
+            </a:r>
+            <a:r>
+              <a:rPr lang="da-DK" sz="2400" b="1" smtClean="0">
+                <a:latin typeface="Consolas" panose="020B0609020204030204" pitchFamily="49" charset="0"/>
+              </a:rPr>
+              <a:t>  </a:t>
+            </a:r>
+            <a:r>
+              <a:rPr lang="da-DK" sz="2400" b="1" smtClean="0">
+                <a:solidFill>
+                  <a:srgbClr val="0070C0"/>
+                </a:solidFill>
+                <a:latin typeface="Consolas" panose="020B0609020204030204" pitchFamily="49" charset="0"/>
+              </a:rPr>
+              <a:t>private </a:t>
+            </a:r>
+            <a:r>
+              <a:rPr lang="da-DK" sz="2400" b="1">
+                <a:solidFill>
+                  <a:srgbClr val="0070C0"/>
+                </a:solidFill>
+                <a:latin typeface="Consolas" panose="020B0609020204030204" pitchFamily="49" charset="0"/>
+              </a:rPr>
+              <a:t>double</a:t>
+            </a:r>
+            <a:r>
+              <a:rPr lang="da-DK" sz="2400" b="1">
+                <a:latin typeface="Consolas" panose="020B0609020204030204" pitchFamily="49" charset="0"/>
+              </a:rPr>
+              <a:t> </a:t>
+            </a:r>
+            <a:r>
+              <a:rPr lang="da-DK" sz="2400" b="1" smtClean="0">
+                <a:latin typeface="Consolas" panose="020B0609020204030204" pitchFamily="49" charset="0"/>
+              </a:rPr>
+              <a:t>_bmi;</a:t>
+            </a:r>
+          </a:p>
+          <a:p>
+            <a:endParaRPr lang="da-DK" sz="2400" b="1" smtClean="0">
               <a:latin typeface="Consolas" panose="020B0609020204030204" pitchFamily="49" charset="0"/>
             </a:endParaRPr>
           </a:p>
-        </p:txBody>
-      </p:sp>
-      <p:sp>
-        <p:nvSpPr>
-          <p:cNvPr id="2" name="Afrundet rektangulær billedforklaring 1"/>
-          <p:cNvSpPr/>
-          <p:nvPr/>
-        </p:nvSpPr>
-        <p:spPr>
-          <a:xfrm>
-            <a:off x="4389120" y="2756746"/>
-            <a:ext cx="4991946" cy="1794933"/>
-          </a:xfrm>
-          <a:prstGeom prst="wedgeRoundRectCallout">
-            <a:avLst>
-              <a:gd name="adj1" fmla="val -50820"/>
-              <a:gd name="adj2" fmla="val 100877"/>
-              <a:gd name="adj3" fmla="val 16667"/>
-            </a:avLst>
-          </a:prstGeom>
-        </p:spPr>
-        <p:style>
-          <a:lnRef idx="2">
-            <a:schemeClr val="accent1">
-              <a:shade val="50000"/>
-            </a:schemeClr>
-          </a:lnRef>
-          <a:fillRef idx="1">
-            <a:schemeClr val="accent1"/>
-          </a:fillRef>
-          <a:effectRef idx="0">
-            <a:schemeClr val="accent1"/>
-          </a:effectRef>
-          <a:fontRef idx="minor">
-            <a:schemeClr val="lt1"/>
-          </a:fontRef>
-        </p:style>
-        <p:txBody>
-          <a:bodyPr rtlCol="0" anchor="ctr"/>
-          <a:lstStyle/>
-          <a:p>
-            <a:r>
-              <a:rPr lang="da-DK" sz="2400" smtClean="0">
-                <a:solidFill>
-                  <a:srgbClr val="FFFF00"/>
-                </a:solidFill>
-              </a:rPr>
-              <a:t>Expensive…? </a:t>
-            </a:r>
-          </a:p>
-          <a:p>
-            <a:pPr marL="285750" indent="-285750">
-              <a:buFont typeface="Arial" panose="020B0604020202020204" pitchFamily="34" charset="0"/>
-              <a:buChar char="•"/>
-            </a:pPr>
-            <a:r>
-              <a:rPr lang="da-DK" sz="2400" smtClean="0"/>
-              <a:t>Cached value in instance field</a:t>
-            </a:r>
-          </a:p>
-          <a:p>
-            <a:pPr marL="285750" indent="-285750">
-              <a:buFont typeface="Arial" panose="020B0604020202020204" pitchFamily="34" charset="0"/>
-              <a:buChar char="•"/>
-            </a:pPr>
-            <a:r>
-              <a:rPr lang="da-DK" sz="2400" smtClean="0"/>
-              <a:t>Recalculate in background</a:t>
-            </a:r>
-          </a:p>
-          <a:p>
-            <a:pPr marL="285750" indent="-285750">
-              <a:buFont typeface="Arial" panose="020B0604020202020204" pitchFamily="34" charset="0"/>
-              <a:buChar char="•"/>
-            </a:pPr>
-            <a:r>
-              <a:rPr lang="da-DK" sz="2400" smtClean="0"/>
-              <a:t>…</a:t>
-            </a:r>
-            <a:endParaRPr lang="da-DK" sz="2400"/>
-          </a:p>
-        </p:txBody>
-      </p:sp>
+          <a:p>
+            <a:r>
+              <a:rPr lang="da-DK" sz="2400" b="1">
+                <a:latin typeface="Consolas" panose="020B0609020204030204" pitchFamily="49" charset="0"/>
+              </a:rPr>
+              <a:t> </a:t>
+            </a:r>
+            <a:r>
+              <a:rPr lang="da-DK" sz="2400" b="1" smtClean="0">
+                <a:latin typeface="Consolas" panose="020B0609020204030204" pitchFamily="49" charset="0"/>
+              </a:rPr>
+              <a:t>  …</a:t>
+            </a:r>
+            <a:endParaRPr lang="da-DK" sz="2400" b="1">
+              <a:latin typeface="Consolas" panose="020B0609020204030204" pitchFamily="49" charset="0"/>
+            </a:endParaRPr>
+          </a:p>
+          <a:p>
+            <a:r>
+              <a:rPr lang="da-DK" sz="2400" b="1">
+                <a:solidFill>
+                  <a:srgbClr val="0070C0"/>
+                </a:solidFill>
+                <a:latin typeface="Consolas" panose="020B0609020204030204" pitchFamily="49" charset="0"/>
+              </a:rPr>
+              <a:t> </a:t>
+            </a:r>
+            <a:r>
+              <a:rPr lang="da-DK" sz="2400" b="1" smtClean="0">
+                <a:solidFill>
+                  <a:srgbClr val="0070C0"/>
+                </a:solidFill>
+                <a:latin typeface="Consolas" panose="020B0609020204030204" pitchFamily="49" charset="0"/>
+              </a:rPr>
+              <a:t>  public</a:t>
+            </a:r>
+            <a:r>
+              <a:rPr lang="da-DK" sz="2400" b="1">
+                <a:latin typeface="Consolas" panose="020B0609020204030204" pitchFamily="49" charset="0"/>
+              </a:rPr>
+              <a:t> </a:t>
+            </a:r>
+            <a:r>
+              <a:rPr lang="da-DK" sz="2400" b="1" smtClean="0">
+                <a:solidFill>
+                  <a:srgbClr val="0070C0"/>
+                </a:solidFill>
+                <a:latin typeface="Consolas" panose="020B0609020204030204" pitchFamily="49" charset="0"/>
+              </a:rPr>
+              <a:t>double</a:t>
+            </a:r>
+            <a:r>
+              <a:rPr lang="da-DK" sz="2400" b="1" smtClean="0">
+                <a:latin typeface="Consolas" panose="020B0609020204030204" pitchFamily="49" charset="0"/>
+              </a:rPr>
+              <a:t> BMI</a:t>
+            </a:r>
+          </a:p>
+          <a:p>
+            <a:r>
+              <a:rPr lang="da-DK" sz="2400" b="1">
+                <a:latin typeface="Consolas" panose="020B0609020204030204" pitchFamily="49" charset="0"/>
+              </a:rPr>
+              <a:t> </a:t>
+            </a:r>
+            <a:r>
+              <a:rPr lang="da-DK" sz="2400" b="1" smtClean="0">
+                <a:latin typeface="Consolas" panose="020B0609020204030204" pitchFamily="49" charset="0"/>
+              </a:rPr>
+              <a:t>  {</a:t>
+            </a:r>
+            <a:endParaRPr lang="da-DK" sz="2400" b="1">
+              <a:latin typeface="Consolas" panose="020B0609020204030204" pitchFamily="49" charset="0"/>
+            </a:endParaRPr>
+          </a:p>
+          <a:p>
+            <a:r>
+              <a:rPr lang="da-DK" sz="2400" b="1">
+                <a:latin typeface="Consolas" panose="020B0609020204030204" pitchFamily="49" charset="0"/>
+              </a:rPr>
+              <a:t>      </a:t>
+            </a:r>
+            <a:r>
+              <a:rPr lang="da-DK" sz="2400" b="1">
+                <a:solidFill>
+                  <a:srgbClr val="0070C0"/>
+                </a:solidFill>
+                <a:latin typeface="Consolas" panose="020B0609020204030204" pitchFamily="49" charset="0"/>
+              </a:rPr>
+              <a:t>get</a:t>
+            </a:r>
+            <a:r>
+              <a:rPr lang="da-DK" sz="2400" b="1" smtClean="0">
+                <a:latin typeface="Consolas" panose="020B0609020204030204" pitchFamily="49" charset="0"/>
+              </a:rPr>
+              <a:t> { </a:t>
+            </a:r>
+            <a:r>
+              <a:rPr lang="da-DK" sz="2400" b="1">
+                <a:solidFill>
+                  <a:srgbClr val="0070C0"/>
+                </a:solidFill>
+                <a:latin typeface="Consolas" panose="020B0609020204030204" pitchFamily="49" charset="0"/>
+              </a:rPr>
+              <a:t>return</a:t>
+            </a:r>
+            <a:r>
+              <a:rPr lang="da-DK" sz="2400" b="1" smtClean="0">
+                <a:latin typeface="Consolas" panose="020B0609020204030204" pitchFamily="49" charset="0"/>
+              </a:rPr>
+              <a:t> _bmi; }</a:t>
+            </a:r>
+          </a:p>
+          <a:p>
+            <a:r>
+              <a:rPr lang="da-DK" sz="2400" b="1" smtClean="0">
+                <a:latin typeface="Consolas" panose="020B0609020204030204" pitchFamily="49" charset="0"/>
+              </a:rPr>
+              <a:t>      </a:t>
+            </a:r>
+            <a:r>
+              <a:rPr lang="da-DK" sz="2400" b="1">
+                <a:solidFill>
+                  <a:srgbClr val="0070C0"/>
+                </a:solidFill>
+                <a:latin typeface="Consolas" panose="020B0609020204030204" pitchFamily="49" charset="0"/>
+              </a:rPr>
+              <a:t>set</a:t>
+            </a:r>
+            <a:r>
+              <a:rPr lang="da-DK" sz="2400" b="1" smtClean="0">
+                <a:latin typeface="Consolas" panose="020B0609020204030204" pitchFamily="49" charset="0"/>
+              </a:rPr>
+              <a:t> { _bmi = </a:t>
+            </a:r>
+            <a:r>
+              <a:rPr lang="da-DK" sz="2400" b="1">
+                <a:solidFill>
+                  <a:srgbClr val="0070C0"/>
+                </a:solidFill>
+                <a:latin typeface="Consolas" panose="020B0609020204030204" pitchFamily="49" charset="0"/>
+              </a:rPr>
+              <a:t>value</a:t>
+            </a:r>
+            <a:r>
+              <a:rPr lang="da-DK" sz="2400" b="1" smtClean="0">
+                <a:latin typeface="Consolas" panose="020B0609020204030204" pitchFamily="49" charset="0"/>
+              </a:rPr>
+              <a:t>; </a:t>
+            </a:r>
+            <a:r>
+              <a:rPr lang="da-DK" sz="2400" b="1">
+                <a:latin typeface="Consolas" panose="020B0609020204030204" pitchFamily="49" charset="0"/>
+              </a:rPr>
+              <a:t>}</a:t>
+            </a:r>
+          </a:p>
+          <a:p>
+            <a:r>
+              <a:rPr lang="da-DK" sz="2400" b="1">
+                <a:latin typeface="Consolas" panose="020B0609020204030204" pitchFamily="49" charset="0"/>
+              </a:rPr>
+              <a:t>   }</a:t>
+            </a:r>
+            <a:endParaRPr lang="da-DK" sz="2400" b="1" smtClean="0">
+              <a:latin typeface="Consolas" panose="020B0609020204030204" pitchFamily="49" charset="0"/>
+            </a:endParaRPr>
+          </a:p>
+          <a:p>
+            <a:r>
+              <a:rPr lang="da-DK" sz="2400" b="1" smtClean="0">
+                <a:latin typeface="Consolas" panose="020B0609020204030204" pitchFamily="49" charset="0"/>
+              </a:rPr>
+              <a:t>}</a:t>
+            </a:r>
+            <a:endParaRPr lang="da-DK" sz="2400" b="1" smtClean="0">
+              <a:latin typeface="Consolas" panose="020B0609020204030204" pitchFamily="49" charset="0"/>
+            </a:endParaRPr>
+          </a:p>
+        </p:txBody>
+      </p:sp>
+      <p:pic>
+        <p:nvPicPr>
+          <p:cNvPr id="5" name="Picture 2" descr="Billedresultat for negative icon"/>
+          <p:cNvPicPr>
+            <a:picLocks noChangeAspect="1" noChangeArrowheads="1"/>
+          </p:cNvPicPr>
+          <p:nvPr/>
+        </p:nvPicPr>
+        <p:blipFill>
+          <a:blip r:embed="rId2" cstate="print">
+            <a:extLst>
+              <a:ext uri="{28A0092B-C50C-407E-A947-70E740481C1C}">
+                <a14:useLocalDpi xmlns:a14="http://schemas.microsoft.com/office/drawing/2010/main" val="0"/>
+              </a:ext>
+            </a:extLst>
+          </a:blip>
+          <a:srcRect/>
+          <a:stretch>
+            <a:fillRect/>
+          </a:stretch>
+        </p:blipFill>
+        <p:spPr bwMode="auto">
+          <a:xfrm>
+            <a:off x="9221492" y="2116315"/>
+            <a:ext cx="1800000" cy="1800000"/>
+          </a:xfrm>
+          <a:prstGeom prst="rect">
+            <a:avLst/>
+          </a:prstGeom>
+          <a:noFill/>
+          <a:extLst>
+            <a:ext uri="{909E8E84-426E-40DD-AFC4-6F175D3DCCD1}">
+              <a14:hiddenFill xmlns:a14="http://schemas.microsoft.com/office/drawing/2010/main">
+                <a:solidFill>
+                  <a:srgbClr val="FFFFFF"/>
+                </a:solidFill>
+              </a14:hiddenFill>
+            </a:ext>
+          </a:extLst>
+        </p:spPr>
+      </p:pic>
     </p:spTree>
     <p:extLst>
       <p:ext uri="{BB962C8B-B14F-4D97-AF65-F5344CB8AC3E}">
-        <p14:creationId xmlns:p14="http://schemas.microsoft.com/office/powerpoint/2010/main" val="766045075"/>
+        <p14:creationId xmlns:p14="http://schemas.microsoft.com/office/powerpoint/2010/main" val="2140635408"/>
       </p:ext>
     </p:extLst>
   </p:cSld>
   <p:clrMapOvr>
     <a:masterClrMapping/>
   </p:clrMapOvr>
-  <mc:AlternateContent xmlns:mc="http://schemas.openxmlformats.org/markup-compatibility/2006">
-    <mc:Choice xmlns:p14="http://schemas.microsoft.com/office/powerpoint/2010/main" Requires="p14">
-      <p:transition p14:dur="0"/>
+  <mc:AlternateContent xmlns:mc="http://schemas.openxmlformats.org/markup-compatibility/2006" xmlns:p14="http://schemas.microsoft.com/office/powerpoint/2010/main">
+    <mc:Choice Requires="p14">
+      <p:transition spd="med" p14:dur="700">
+        <p:fade/>
+      </p:transition>
     </mc:Choice>
-    <mc:Fallback>
-      <p:transition/>
+    <mc:Fallback xmlns="">
+      <p:transition spd="med">
+        <p:fade/>
+      </p:transition>
     </mc:Fallback>
   </mc:AlternateContent>
   <p:timing>
@@ -5201,7 +4965,7 @@
                             </p:stCondLst>
                             <p:childTnLst>
                               <p:par>
-                                <p:cTn id="5" presetID="10" presetClass="entr" presetSubtype="0" fill="hold" grpId="0" nodeType="clickEffect">
+                                <p:cTn id="5" presetID="10" presetClass="entr" presetSubtype="0" fill="hold" nodeType="clickEffect">
                                   <p:stCondLst>
                                     <p:cond delay="0"/>
                                   </p:stCondLst>
@@ -5214,7 +4978,7 @@
                                           </p:stCondLst>
                                         </p:cTn>
                                         <p:tgtEl>
-                                          <p:spTgt spid="2"/>
+                                          <p:spTgt spid="5"/>
                                         </p:tgtEl>
                                         <p:attrNameLst>
                                           <p:attrName>style.visibility</p:attrName>
@@ -5228,7 +4992,7 @@
                                       <p:cBhvr>
                                         <p:cTn id="7" dur="500"/>
                                         <p:tgtEl>
-                                          <p:spTgt spid="2"/>
+                                          <p:spTgt spid="5"/>
                                         </p:tgtEl>
                                       </p:cBhvr>
                                     </p:animEffect>
@@ -5262,9 +5026,6 @@
         </p:cTn>
       </p:par>
     </p:tnLst>
-    <p:bldLst>
-      <p:bldP spid="2" grpId="0" animBg="1"/>
-    </p:bldLst>
   </p:timing>
 </p:sld>
 </file>
@@ -5288,228 +5049,193 @@
       </p:grpSpPr>
       <p:sp>
         <p:nvSpPr>
-          <p:cNvPr id="2" name="Rektangel 1"/>
-          <p:cNvSpPr/>
-          <p:nvPr/>
-        </p:nvSpPr>
-        <p:spPr>
-          <a:xfrm>
-            <a:off x="867790" y="621252"/>
-            <a:ext cx="4050454" cy="959575"/>
-          </a:xfrm>
-          <a:prstGeom prst="rect">
-            <a:avLst/>
-          </a:prstGeom>
-          <a:solidFill>
-            <a:schemeClr val="accent1">
-              <a:alpha val="30000"/>
-            </a:schemeClr>
-          </a:solidFill>
-        </p:spPr>
-        <p:style>
-          <a:lnRef idx="2">
-            <a:schemeClr val="accent1">
-              <a:shade val="50000"/>
-            </a:schemeClr>
-          </a:lnRef>
-          <a:fillRef idx="1">
-            <a:schemeClr val="accent1"/>
-          </a:fillRef>
-          <a:effectRef idx="0">
-            <a:schemeClr val="accent1"/>
-          </a:effectRef>
-          <a:fontRef idx="minor">
-            <a:schemeClr val="lt1"/>
-          </a:fontRef>
-        </p:style>
-        <p:txBody>
-          <a:bodyPr rtlCol="0" anchor="ctr"/>
-          <a:lstStyle/>
-          <a:p>
-            <a:r>
-              <a:rPr lang="da-DK" sz="2400" b="1">
+          <p:cNvPr id="11" name="Tekstfelt 10"/>
+          <p:cNvSpPr txBox="1"/>
+          <p:nvPr/>
+        </p:nvSpPr>
+        <p:spPr>
+          <a:xfrm>
+            <a:off x="859642" y="754158"/>
+            <a:ext cx="8988206" cy="4524315"/>
+          </a:xfrm>
+          <a:prstGeom prst="rect">
+            <a:avLst/>
+          </a:prstGeom>
+          <a:noFill/>
+        </p:spPr>
+        <p:txBody>
+          <a:bodyPr wrap="square" rtlCol="0">
+            <a:spAutoFit/>
+          </a:bodyPr>
+          <a:lstStyle/>
+          <a:p>
+            <a:r>
+              <a:rPr lang="da-DK" sz="2400" b="1" smtClean="0">
                 <a:solidFill>
                   <a:srgbClr val="0070C0"/>
                 </a:solidFill>
                 <a:latin typeface="Consolas" panose="020B0609020204030204" pitchFamily="49" charset="0"/>
               </a:rPr>
-              <a:t>public void </a:t>
-            </a:r>
-            <a:r>
-              <a:rPr lang="da-DK" sz="2400" b="1">
-                <a:solidFill>
-                  <a:schemeClr val="tx1"/>
-                </a:solidFill>
-                <a:latin typeface="Consolas" panose="020B0609020204030204" pitchFamily="49" charset="0"/>
-              </a:rPr>
-              <a:t>MethodA()</a:t>
-            </a:r>
-          </a:p>
-          <a:p>
+              <a:t>public class </a:t>
+            </a:r>
             <a:r>
               <a:rPr lang="da-DK" sz="2400" b="1" smtClean="0">
                 <a:solidFill>
-                  <a:schemeClr val="tx1"/>
-                </a:solidFill>
-                <a:latin typeface="Consolas" panose="020B0609020204030204" pitchFamily="49" charset="0"/>
-              </a:rPr>
-              <a:t>{</a:t>
+                  <a:schemeClr val="accent6">
+                    <a:lumMod val="75000"/>
+                  </a:schemeClr>
+                </a:solidFill>
+                <a:latin typeface="Consolas" panose="020B0609020204030204" pitchFamily="49" charset="0"/>
+              </a:rPr>
+              <a:t>Human</a:t>
             </a:r>
             <a:endParaRPr lang="da-DK" sz="2400" b="1">
               <a:solidFill>
-                <a:schemeClr val="tx1"/>
+                <a:schemeClr val="accent6">
+                  <a:lumMod val="75000"/>
+                </a:schemeClr>
               </a:solidFill>
               <a:latin typeface="Consolas" panose="020B0609020204030204" pitchFamily="49" charset="0"/>
             </a:endParaRPr>
           </a:p>
-        </p:txBody>
-      </p:sp>
-      <p:sp>
-        <p:nvSpPr>
-          <p:cNvPr id="5" name="Rektangel 4"/>
-          <p:cNvSpPr/>
-          <p:nvPr/>
-        </p:nvSpPr>
-        <p:spPr>
-          <a:xfrm>
-            <a:off x="867790" y="5242214"/>
-            <a:ext cx="4050454" cy="535954"/>
-          </a:xfrm>
-          <a:prstGeom prst="rect">
-            <a:avLst/>
-          </a:prstGeom>
-          <a:solidFill>
-            <a:schemeClr val="accent1">
-              <a:alpha val="30000"/>
-            </a:schemeClr>
-          </a:solidFill>
-        </p:spPr>
-        <p:style>
-          <a:lnRef idx="2">
-            <a:schemeClr val="accent1">
-              <a:shade val="50000"/>
-            </a:schemeClr>
-          </a:lnRef>
-          <a:fillRef idx="1">
-            <a:schemeClr val="accent1"/>
-          </a:fillRef>
-          <a:effectRef idx="0">
-            <a:schemeClr val="accent1"/>
-          </a:effectRef>
-          <a:fontRef idx="minor">
-            <a:schemeClr val="lt1"/>
-          </a:fontRef>
-        </p:style>
-        <p:txBody>
-          <a:bodyPr rtlCol="0" anchor="ctr"/>
-          <a:lstStyle/>
           <a:p>
             <a:r>
               <a:rPr lang="da-DK" sz="2400" b="1" smtClean="0">
-                <a:solidFill>
-                  <a:schemeClr val="tx1"/>
-                </a:solidFill>
-                <a:latin typeface="Consolas" panose="020B0609020204030204" pitchFamily="49" charset="0"/>
-              </a:rPr>
-              <a:t>}</a:t>
-            </a:r>
-            <a:endParaRPr lang="da-DK" sz="2400" b="1">
-              <a:solidFill>
-                <a:schemeClr val="tx1"/>
-              </a:solidFill>
+                <a:latin typeface="Consolas" panose="020B0609020204030204" pitchFamily="49" charset="0"/>
+              </a:rPr>
+              <a:t>{</a:t>
+            </a:r>
+          </a:p>
+          <a:p>
+            <a:r>
+              <a:rPr lang="da-DK" sz="2400" b="1" smtClean="0">
+                <a:latin typeface="Consolas" panose="020B0609020204030204" pitchFamily="49" charset="0"/>
+              </a:rPr>
+              <a:t>   </a:t>
+            </a:r>
+            <a:r>
+              <a:rPr lang="da-DK" sz="2400" b="1" smtClean="0">
+                <a:solidFill>
+                  <a:srgbClr val="0070C0"/>
+                </a:solidFill>
+                <a:latin typeface="Consolas" panose="020B0609020204030204" pitchFamily="49" charset="0"/>
+              </a:rPr>
+              <a:t>private </a:t>
+            </a:r>
+            <a:r>
+              <a:rPr lang="da-DK" sz="2400" b="1" smtClean="0">
+                <a:solidFill>
+                  <a:srgbClr val="0070C0"/>
+                </a:solidFill>
+                <a:latin typeface="Consolas" panose="020B0609020204030204" pitchFamily="49" charset="0"/>
+              </a:rPr>
+              <a:t>double</a:t>
+            </a:r>
+            <a:r>
+              <a:rPr lang="da-DK" sz="2400" b="1" smtClean="0">
+                <a:latin typeface="Consolas" panose="020B0609020204030204" pitchFamily="49" charset="0"/>
+              </a:rPr>
+              <a:t> _weight;</a:t>
+            </a:r>
+          </a:p>
+          <a:p>
+            <a:r>
+              <a:rPr lang="da-DK" sz="2400" b="1" smtClean="0">
+                <a:solidFill>
+                  <a:srgbClr val="0070C0"/>
+                </a:solidFill>
+                <a:latin typeface="Consolas" panose="020B0609020204030204" pitchFamily="49" charset="0"/>
+              </a:rPr>
+              <a:t>   private </a:t>
+            </a:r>
+            <a:r>
+              <a:rPr lang="da-DK" sz="2400" b="1">
+                <a:solidFill>
+                  <a:srgbClr val="0070C0"/>
+                </a:solidFill>
+                <a:latin typeface="Consolas" panose="020B0609020204030204" pitchFamily="49" charset="0"/>
+              </a:rPr>
+              <a:t>double</a:t>
+            </a:r>
+            <a:r>
+              <a:rPr lang="da-DK" sz="2400" b="1">
+                <a:latin typeface="Consolas" panose="020B0609020204030204" pitchFamily="49" charset="0"/>
+              </a:rPr>
+              <a:t> </a:t>
+            </a:r>
+            <a:r>
+              <a:rPr lang="da-DK" sz="2400" b="1" smtClean="0">
+                <a:latin typeface="Consolas" panose="020B0609020204030204" pitchFamily="49" charset="0"/>
+              </a:rPr>
+              <a:t>_height;</a:t>
+            </a:r>
+          </a:p>
+          <a:p>
+            <a:r>
+              <a:rPr lang="da-DK" sz="2400" b="1">
+                <a:latin typeface="Consolas" panose="020B0609020204030204" pitchFamily="49" charset="0"/>
+              </a:rPr>
+              <a:t> </a:t>
+            </a:r>
+            <a:r>
+              <a:rPr lang="da-DK" sz="2400" b="1" smtClean="0">
+                <a:latin typeface="Consolas" panose="020B0609020204030204" pitchFamily="49" charset="0"/>
+              </a:rPr>
+              <a:t>  </a:t>
+            </a:r>
+            <a:r>
+              <a:rPr lang="da-DK" sz="2400" b="1" smtClean="0">
+                <a:solidFill>
+                  <a:srgbClr val="0070C0"/>
+                </a:solidFill>
+                <a:latin typeface="Consolas" panose="020B0609020204030204" pitchFamily="49" charset="0"/>
+              </a:rPr>
+              <a:t>private </a:t>
+            </a:r>
+            <a:r>
+              <a:rPr lang="da-DK" sz="2400" b="1">
+                <a:solidFill>
+                  <a:srgbClr val="0070C0"/>
+                </a:solidFill>
+                <a:latin typeface="Consolas" panose="020B0609020204030204" pitchFamily="49" charset="0"/>
+              </a:rPr>
+              <a:t>double</a:t>
+            </a:r>
+            <a:r>
+              <a:rPr lang="da-DK" sz="2400" b="1">
+                <a:latin typeface="Consolas" panose="020B0609020204030204" pitchFamily="49" charset="0"/>
+              </a:rPr>
+              <a:t> </a:t>
+            </a:r>
+            <a:r>
+              <a:rPr lang="da-DK" sz="2400" b="1" smtClean="0">
+                <a:latin typeface="Consolas" panose="020B0609020204030204" pitchFamily="49" charset="0"/>
+              </a:rPr>
+              <a:t>_bmi;</a:t>
+            </a:r>
+          </a:p>
+          <a:p>
+            <a:endParaRPr lang="da-DK" sz="2400" b="1" smtClean="0">
               <a:latin typeface="Consolas" panose="020B0609020204030204" pitchFamily="49" charset="0"/>
             </a:endParaRPr>
           </a:p>
-        </p:txBody>
-      </p:sp>
-      <p:sp>
-        <p:nvSpPr>
-          <p:cNvPr id="6" name="Rektangel 5"/>
-          <p:cNvSpPr/>
-          <p:nvPr/>
-        </p:nvSpPr>
-        <p:spPr>
-          <a:xfrm>
-            <a:off x="867790" y="1580826"/>
-            <a:ext cx="4050454" cy="2701813"/>
-          </a:xfrm>
-          <a:prstGeom prst="rect">
-            <a:avLst/>
-          </a:prstGeom>
-          <a:solidFill>
-            <a:srgbClr val="FF0000">
-              <a:alpha val="30000"/>
-            </a:srgbClr>
-          </a:solidFill>
-        </p:spPr>
-        <p:style>
-          <a:lnRef idx="2">
-            <a:schemeClr val="accent1">
-              <a:shade val="50000"/>
-            </a:schemeClr>
-          </a:lnRef>
-          <a:fillRef idx="1">
-            <a:schemeClr val="accent1"/>
-          </a:fillRef>
-          <a:effectRef idx="0">
-            <a:schemeClr val="accent1"/>
-          </a:effectRef>
-          <a:fontRef idx="minor">
-            <a:schemeClr val="lt1"/>
-          </a:fontRef>
-        </p:style>
-        <p:txBody>
-          <a:bodyPr rtlCol="0" anchor="ctr"/>
-          <a:lstStyle/>
-          <a:p>
+          <a:p>
+            <a:r>
+              <a:rPr lang="da-DK" sz="2400" b="1">
+                <a:latin typeface="Consolas" panose="020B0609020204030204" pitchFamily="49" charset="0"/>
+              </a:rPr>
+              <a:t> </a:t>
+            </a:r>
+            <a:r>
+              <a:rPr lang="da-DK" sz="2400" b="1" smtClean="0">
+                <a:latin typeface="Consolas" panose="020B0609020204030204" pitchFamily="49" charset="0"/>
+              </a:rPr>
+              <a:t>  …</a:t>
+            </a:r>
             <a:endParaRPr lang="da-DK" sz="2400" b="1">
-              <a:solidFill>
-                <a:schemeClr val="tx1"/>
-              </a:solidFill>
               <a:latin typeface="Consolas" panose="020B0609020204030204" pitchFamily="49" charset="0"/>
             </a:endParaRPr>
           </a:p>
-        </p:txBody>
-      </p:sp>
-      <p:sp>
-        <p:nvSpPr>
-          <p:cNvPr id="7" name="Rektangel 6"/>
-          <p:cNvSpPr/>
-          <p:nvPr/>
-        </p:nvSpPr>
-        <p:spPr>
-          <a:xfrm>
-            <a:off x="7211763" y="621251"/>
-            <a:ext cx="4050454" cy="959575"/>
-          </a:xfrm>
-          <a:prstGeom prst="rect">
-            <a:avLst/>
-          </a:prstGeom>
-          <a:solidFill>
-            <a:schemeClr val="accent1">
-              <a:alpha val="30000"/>
-            </a:schemeClr>
-          </a:solidFill>
-        </p:spPr>
-        <p:style>
-          <a:lnRef idx="2">
-            <a:schemeClr val="accent1">
-              <a:shade val="50000"/>
-            </a:schemeClr>
-          </a:lnRef>
-          <a:fillRef idx="1">
-            <a:schemeClr val="accent1"/>
-          </a:fillRef>
-          <a:effectRef idx="0">
-            <a:schemeClr val="accent1"/>
-          </a:effectRef>
-          <a:fontRef idx="minor">
-            <a:schemeClr val="lt1"/>
-          </a:fontRef>
-        </p:style>
-        <p:txBody>
-          <a:bodyPr rtlCol="0" anchor="ctr"/>
-          <a:lstStyle/>
           <a:p>
             <a:r>
               <a:rPr lang="da-DK" sz="2400" b="1">
@@ -5518,263 +5244,124 @@
                 </a:solidFill>
                 <a:latin typeface="Consolas" panose="020B0609020204030204" pitchFamily="49" charset="0"/>
               </a:rPr>
-              <a:t>public </a:t>
+              <a:t> </a:t>
+            </a:r>
+            <a:r>
+              <a:rPr lang="da-DK" sz="2400" b="1" smtClean="0">
+                <a:solidFill>
+                  <a:srgbClr val="0070C0"/>
+                </a:solidFill>
+                <a:latin typeface="Consolas" panose="020B0609020204030204" pitchFamily="49" charset="0"/>
+              </a:rPr>
+              <a:t>  public</a:t>
             </a:r>
             <a:r>
               <a:rPr lang="da-DK" sz="2400" b="1">
+                <a:latin typeface="Consolas" panose="020B0609020204030204" pitchFamily="49" charset="0"/>
+              </a:rPr>
+              <a:t> </a:t>
+            </a:r>
+            <a:r>
+              <a:rPr lang="da-DK" sz="2400" b="1" smtClean="0">
                 <a:solidFill>
                   <a:srgbClr val="0070C0"/>
                 </a:solidFill>
                 <a:latin typeface="Consolas" panose="020B0609020204030204" pitchFamily="49" charset="0"/>
               </a:rPr>
-              <a:t>void </a:t>
+              <a:t>double</a:t>
             </a:r>
             <a:r>
               <a:rPr lang="da-DK" sz="2400" b="1" smtClean="0">
-                <a:solidFill>
-                  <a:schemeClr val="tx1"/>
-                </a:solidFill>
-                <a:latin typeface="Consolas" panose="020B0609020204030204" pitchFamily="49" charset="0"/>
-              </a:rPr>
-              <a:t>MethodB()</a:t>
+                <a:latin typeface="Consolas" panose="020B0609020204030204" pitchFamily="49" charset="0"/>
+              </a:rPr>
+              <a:t> BMI</a:t>
+            </a:r>
+          </a:p>
+          <a:p>
+            <a:r>
+              <a:rPr lang="da-DK" sz="2400" b="1">
+                <a:latin typeface="Consolas" panose="020B0609020204030204" pitchFamily="49" charset="0"/>
+              </a:rPr>
+              <a:t> </a:t>
+            </a:r>
+            <a:r>
+              <a:rPr lang="da-DK" sz="2400" b="1" smtClean="0">
+                <a:latin typeface="Consolas" panose="020B0609020204030204" pitchFamily="49" charset="0"/>
+              </a:rPr>
+              <a:t>  {</a:t>
             </a:r>
             <a:endParaRPr lang="da-DK" sz="2400" b="1">
-              <a:solidFill>
-                <a:schemeClr val="tx1"/>
-              </a:solidFill>
               <a:latin typeface="Consolas" panose="020B0609020204030204" pitchFamily="49" charset="0"/>
             </a:endParaRPr>
           </a:p>
           <a:p>
             <a:r>
+              <a:rPr lang="da-DK" sz="2400" b="1">
+                <a:latin typeface="Consolas" panose="020B0609020204030204" pitchFamily="49" charset="0"/>
+              </a:rPr>
+              <a:t>      </a:t>
+            </a:r>
+            <a:r>
+              <a:rPr lang="da-DK" sz="2400" b="1">
+                <a:solidFill>
+                  <a:srgbClr val="0070C0"/>
+                </a:solidFill>
+                <a:latin typeface="Consolas" panose="020B0609020204030204" pitchFamily="49" charset="0"/>
+              </a:rPr>
+              <a:t>get</a:t>
+            </a:r>
+            <a:r>
               <a:rPr lang="da-DK" sz="2400" b="1" smtClean="0">
-                <a:solidFill>
-                  <a:schemeClr val="tx1"/>
-                </a:solidFill>
-                <a:latin typeface="Consolas" panose="020B0609020204030204" pitchFamily="49" charset="0"/>
-              </a:rPr>
-              <a:t>{</a:t>
+                <a:latin typeface="Consolas" panose="020B0609020204030204" pitchFamily="49" charset="0"/>
+              </a:rPr>
+              <a:t> { </a:t>
+            </a:r>
+            <a:r>
+              <a:rPr lang="da-DK" sz="2400" b="1">
+                <a:solidFill>
+                  <a:srgbClr val="0070C0"/>
+                </a:solidFill>
+                <a:latin typeface="Consolas" panose="020B0609020204030204" pitchFamily="49" charset="0"/>
+              </a:rPr>
+              <a:t>return</a:t>
+            </a:r>
+            <a:r>
+              <a:rPr lang="da-DK" sz="2400" b="1" smtClean="0">
+                <a:latin typeface="Consolas" panose="020B0609020204030204" pitchFamily="49" charset="0"/>
+              </a:rPr>
+              <a:t> _weight / (_height * _height); }</a:t>
             </a:r>
             <a:endParaRPr lang="da-DK" sz="2400" b="1">
-              <a:solidFill>
-                <a:schemeClr val="tx1"/>
-              </a:solidFill>
               <a:latin typeface="Consolas" panose="020B0609020204030204" pitchFamily="49" charset="0"/>
             </a:endParaRPr>
           </a:p>
-        </p:txBody>
-      </p:sp>
-      <p:sp>
-        <p:nvSpPr>
-          <p:cNvPr id="9" name="Rektangel 8"/>
-          <p:cNvSpPr/>
-          <p:nvPr/>
-        </p:nvSpPr>
-        <p:spPr>
-          <a:xfrm>
-            <a:off x="867790" y="4282640"/>
-            <a:ext cx="4050454" cy="959575"/>
-          </a:xfrm>
-          <a:prstGeom prst="rect">
-            <a:avLst/>
-          </a:prstGeom>
-          <a:solidFill>
-            <a:schemeClr val="accent6">
-              <a:lumMod val="75000"/>
-              <a:alpha val="30000"/>
-            </a:schemeClr>
-          </a:solidFill>
-        </p:spPr>
-        <p:style>
-          <a:lnRef idx="2">
-            <a:schemeClr val="accent1">
-              <a:shade val="50000"/>
-            </a:schemeClr>
-          </a:lnRef>
-          <a:fillRef idx="1">
-            <a:schemeClr val="accent1"/>
-          </a:fillRef>
-          <a:effectRef idx="0">
-            <a:schemeClr val="accent1"/>
-          </a:effectRef>
-          <a:fontRef idx="minor">
-            <a:schemeClr val="lt1"/>
-          </a:fontRef>
-        </p:style>
-        <p:txBody>
-          <a:bodyPr rtlCol="0" anchor="ctr"/>
-          <a:lstStyle/>
-          <a:p>
-            <a:endParaRPr lang="da-DK" sz="2400" b="1">
-              <a:solidFill>
-                <a:schemeClr val="tx1"/>
-              </a:solidFill>
+          <a:p>
+            <a:r>
+              <a:rPr lang="da-DK" sz="2400" b="1">
+                <a:latin typeface="Consolas" panose="020B0609020204030204" pitchFamily="49" charset="0"/>
+              </a:rPr>
+              <a:t>   }</a:t>
+            </a:r>
+            <a:endParaRPr lang="da-DK" sz="2400" b="1" smtClean="0">
               <a:latin typeface="Consolas" panose="020B0609020204030204" pitchFamily="49" charset="0"/>
             </a:endParaRPr>
           </a:p>
-        </p:txBody>
-      </p:sp>
-      <p:sp>
-        <p:nvSpPr>
-          <p:cNvPr id="10" name="Rektangel 9"/>
-          <p:cNvSpPr/>
-          <p:nvPr/>
-        </p:nvSpPr>
-        <p:spPr>
-          <a:xfrm>
-            <a:off x="7211763" y="4282639"/>
-            <a:ext cx="4050454" cy="959575"/>
-          </a:xfrm>
-          <a:prstGeom prst="rect">
-            <a:avLst/>
-          </a:prstGeom>
-          <a:solidFill>
-            <a:schemeClr val="tx1">
-              <a:lumMod val="85000"/>
-              <a:lumOff val="15000"/>
-              <a:alpha val="30000"/>
-            </a:schemeClr>
-          </a:solidFill>
-        </p:spPr>
-        <p:style>
-          <a:lnRef idx="2">
-            <a:schemeClr val="accent1">
-              <a:shade val="50000"/>
-            </a:schemeClr>
-          </a:lnRef>
-          <a:fillRef idx="1">
-            <a:schemeClr val="accent1"/>
-          </a:fillRef>
-          <a:effectRef idx="0">
-            <a:schemeClr val="accent1"/>
-          </a:effectRef>
-          <a:fontRef idx="minor">
-            <a:schemeClr val="lt1"/>
-          </a:fontRef>
-        </p:style>
-        <p:txBody>
-          <a:bodyPr rtlCol="0" anchor="ctr"/>
-          <a:lstStyle/>
-          <a:p>
-            <a:endParaRPr lang="da-DK" sz="2400" b="1">
-              <a:solidFill>
-                <a:schemeClr val="tx1"/>
-              </a:solidFill>
+          <a:p>
+            <a:r>
+              <a:rPr lang="da-DK" sz="2400" b="1" smtClean="0">
+                <a:latin typeface="Consolas" panose="020B0609020204030204" pitchFamily="49" charset="0"/>
+              </a:rPr>
+              <a:t>}</a:t>
+            </a:r>
+            <a:endParaRPr lang="da-DK" sz="2400" b="1" smtClean="0">
               <a:latin typeface="Consolas" panose="020B0609020204030204" pitchFamily="49" charset="0"/>
             </a:endParaRPr>
           </a:p>
         </p:txBody>
       </p:sp>
-      <p:sp>
-        <p:nvSpPr>
-          <p:cNvPr id="12" name="Rektangel 11"/>
-          <p:cNvSpPr/>
-          <p:nvPr/>
-        </p:nvSpPr>
-        <p:spPr>
-          <a:xfrm>
-            <a:off x="7211763" y="5242214"/>
-            <a:ext cx="4050454" cy="535954"/>
-          </a:xfrm>
-          <a:prstGeom prst="rect">
-            <a:avLst/>
-          </a:prstGeom>
-          <a:solidFill>
-            <a:schemeClr val="accent1">
-              <a:alpha val="30000"/>
-            </a:schemeClr>
-          </a:solidFill>
-        </p:spPr>
-        <p:style>
-          <a:lnRef idx="2">
-            <a:schemeClr val="accent1">
-              <a:shade val="50000"/>
-            </a:schemeClr>
-          </a:lnRef>
-          <a:fillRef idx="1">
-            <a:schemeClr val="accent1"/>
-          </a:fillRef>
-          <a:effectRef idx="0">
-            <a:schemeClr val="accent1"/>
-          </a:effectRef>
-          <a:fontRef idx="minor">
-            <a:schemeClr val="lt1"/>
-          </a:fontRef>
-        </p:style>
-        <p:txBody>
-          <a:bodyPr rtlCol="0" anchor="ctr"/>
-          <a:lstStyle/>
-          <a:p>
-            <a:r>
-              <a:rPr lang="da-DK" sz="2400" b="1" smtClean="0">
-                <a:solidFill>
-                  <a:schemeClr val="tx1"/>
-                </a:solidFill>
-                <a:latin typeface="Consolas" panose="020B0609020204030204" pitchFamily="49" charset="0"/>
-              </a:rPr>
-              <a:t>}</a:t>
-            </a:r>
-            <a:endParaRPr lang="da-DK" sz="2400" b="1">
-              <a:solidFill>
-                <a:schemeClr val="tx1"/>
-              </a:solidFill>
-              <a:latin typeface="Consolas" panose="020B0609020204030204" pitchFamily="49" charset="0"/>
-            </a:endParaRPr>
-          </a:p>
-        </p:txBody>
-      </p:sp>
-      <p:sp>
-        <p:nvSpPr>
-          <p:cNvPr id="13" name="Rektangel 12"/>
-          <p:cNvSpPr/>
-          <p:nvPr/>
-        </p:nvSpPr>
-        <p:spPr>
-          <a:xfrm>
-            <a:off x="7211763" y="1580826"/>
-            <a:ext cx="4050454" cy="2701813"/>
-          </a:xfrm>
-          <a:prstGeom prst="rect">
-            <a:avLst/>
-          </a:prstGeom>
-          <a:solidFill>
-            <a:srgbClr val="FF0000">
-              <a:alpha val="30000"/>
-            </a:srgbClr>
-          </a:solidFill>
-        </p:spPr>
-        <p:style>
-          <a:lnRef idx="2">
-            <a:schemeClr val="accent1">
-              <a:shade val="50000"/>
-            </a:schemeClr>
-          </a:lnRef>
-          <a:fillRef idx="1">
-            <a:schemeClr val="accent1"/>
-          </a:fillRef>
-          <a:effectRef idx="0">
-            <a:schemeClr val="accent1"/>
-          </a:effectRef>
-          <a:fontRef idx="minor">
-            <a:schemeClr val="lt1"/>
-          </a:fontRef>
-        </p:style>
-        <p:txBody>
-          <a:bodyPr rtlCol="0" anchor="ctr"/>
-          <a:lstStyle/>
-          <a:p>
-            <a:endParaRPr lang="da-DK" sz="2400" b="1">
-              <a:solidFill>
-                <a:schemeClr val="tx1"/>
-              </a:solidFill>
-              <a:latin typeface="Consolas" panose="020B0609020204030204" pitchFamily="49" charset="0"/>
-            </a:endParaRPr>
-          </a:p>
-        </p:txBody>
-      </p:sp>
       <p:pic>
         <p:nvPicPr>
-          <p:cNvPr id="14" name="Picture 2" descr="Billedresultat for negative icon"/>
+          <p:cNvPr id="6" name="Picture 4" descr="Billedresultat for positive icon"/>
           <p:cNvPicPr>
             <a:picLocks noChangeAspect="1" noChangeArrowheads="1"/>
           </p:cNvPicPr>
@@ -5795,6 +5382,649 @@
         </p:blipFill>
         <p:spPr bwMode="auto">
           <a:xfrm>
+            <a:off x="9221494" y="2100033"/>
+            <a:ext cx="1800000" cy="1800000"/>
+          </a:xfrm>
+          <a:prstGeom prst="rect">
+            <a:avLst/>
+          </a:prstGeom>
+          <a:noFill/>
+          <a:extLst>
+            <a:ext uri="{909E8E84-426E-40DD-AFC4-6F175D3DCCD1}">
+              <a14:hiddenFill xmlns:a14="http://schemas.microsoft.com/office/drawing/2010/main">
+                <a:solidFill>
+                  <a:srgbClr val="FFFFFF"/>
+                </a:solidFill>
+              </a14:hiddenFill>
+            </a:ext>
+          </a:extLst>
+        </p:spPr>
+      </p:pic>
+    </p:spTree>
+    <p:extLst>
+      <p:ext uri="{BB962C8B-B14F-4D97-AF65-F5344CB8AC3E}">
+        <p14:creationId xmlns:p14="http://schemas.microsoft.com/office/powerpoint/2010/main" val="1109398155"/>
+      </p:ext>
+    </p:extLst>
+  </p:cSld>
+  <p:clrMapOvr>
+    <a:masterClrMapping/>
+  </p:clrMapOvr>
+  <mc:AlternateContent xmlns:mc="http://schemas.openxmlformats.org/markup-compatibility/2006" xmlns:p14="http://schemas.microsoft.com/office/powerpoint/2010/main">
+    <mc:Choice Requires="p14">
+      <p:transition spd="med" p14:dur="700">
+        <p:fade/>
+      </p:transition>
+    </mc:Choice>
+    <mc:Fallback xmlns="">
+      <p:transition spd="med">
+        <p:fade/>
+      </p:transition>
+    </mc:Fallback>
+  </mc:AlternateContent>
+  <p:timing>
+    <p:tnLst>
+      <p:par>
+        <p:cTn id="1" dur="indefinite" restart="never" nodeType="tmRoot">
+          <p:childTnLst>
+            <p:seq concurrent="1" nextAc="seek">
+              <p:cTn id="2" dur="indefinite" nodeType="mainSeq">
+                <p:childTnLst>
+                  <p:par>
+                    <p:cTn id="3" fill="hold">
+                      <p:stCondLst>
+                        <p:cond delay="indefinite"/>
+                      </p:stCondLst>
+                      <p:childTnLst>
+                        <p:par>
+                          <p:cTn id="4" fill="hold">
+                            <p:stCondLst>
+                              <p:cond delay="0"/>
+                            </p:stCondLst>
+                            <p:childTnLst>
+                              <p:par>
+                                <p:cTn id="5" presetID="10" presetClass="entr" presetSubtype="0" fill="hold" nodeType="clickEffect">
+                                  <p:stCondLst>
+                                    <p:cond delay="0"/>
+                                  </p:stCondLst>
+                                  <p:childTnLst>
+                                    <p:set>
+                                      <p:cBhvr>
+                                        <p:cTn id="6" dur="1" fill="hold">
+                                          <p:stCondLst>
+                                            <p:cond delay="0"/>
+                                          </p:stCondLst>
+                                        </p:cTn>
+                                        <p:tgtEl>
+                                          <p:spTgt spid="6"/>
+                                        </p:tgtEl>
+                                        <p:attrNameLst>
+                                          <p:attrName>style.visibility</p:attrName>
+                                        </p:attrNameLst>
+                                      </p:cBhvr>
+                                      <p:to>
+                                        <p:strVal val="visible"/>
+                                      </p:to>
+                                    </p:set>
+                                    <p:animEffect transition="in" filter="fade">
+                                      <p:cBhvr>
+                                        <p:cTn id="7" dur="500"/>
+                                        <p:tgtEl>
+                                          <p:spTgt spid="6"/>
+                                        </p:tgtEl>
+                                      </p:cBhvr>
+                                    </p:animEffect>
+                                  </p:childTnLst>
+                                </p:cTn>
+                              </p:par>
+                            </p:childTnLst>
+                          </p:cTn>
+                        </p:par>
+                      </p:childTnLst>
+                    </p:cTn>
+                  </p:par>
+                </p:childTnLst>
+              </p:cTn>
+              <p:prevCondLst>
+                <p:cond evt="onPrev" delay="0">
+                  <p:tgtEl>
+                    <p:sldTgt/>
+                  </p:tgtEl>
+                </p:cond>
+              </p:prevCondLst>
+              <p:nextCondLst>
+                <p:cond evt="onNext" delay="0">
+                  <p:tgtEl>
+                    <p:sldTgt/>
+                  </p:tgtEl>
+                </p:cond>
+              </p:nextCondLst>
+            </p:seq>
+          </p:childTnLst>
+        </p:cTn>
+      </p:par>
+    </p:tnLst>
+  </p:timing>
+</p:sld>
+</file>
+
+<file path=ppt/slides/slide15.xml><?xml version="1.0" encoding="utf-8"?>
+<p:sld xmlns:a="http://schemas.openxmlformats.org/drawingml/2006/main" xmlns:r="http://schemas.openxmlformats.org/officeDocument/2006/relationships" xmlns:p="http://schemas.openxmlformats.org/presentationml/2006/main">
+  <p:cSld>
+    <p:spTree>
+      <p:nvGrpSpPr>
+        <p:cNvPr id="1" name=""/>
+        <p:cNvGrpSpPr/>
+        <p:nvPr/>
+      </p:nvGrpSpPr>
+      <p:grpSpPr>
+        <a:xfrm>
+          <a:off x="0" y="0"/>
+          <a:ext cx="0" cy="0"/>
+          <a:chOff x="0" y="0"/>
+          <a:chExt cx="0" cy="0"/>
+        </a:xfrm>
+      </p:grpSpPr>
+      <p:sp>
+        <p:nvSpPr>
+          <p:cNvPr id="2" name="Rektangel 1"/>
+          <p:cNvSpPr/>
+          <p:nvPr/>
+        </p:nvSpPr>
+        <p:spPr>
+          <a:xfrm>
+            <a:off x="867790" y="621252"/>
+            <a:ext cx="4050454" cy="959575"/>
+          </a:xfrm>
+          <a:prstGeom prst="rect">
+            <a:avLst/>
+          </a:prstGeom>
+          <a:solidFill>
+            <a:schemeClr val="accent1">
+              <a:alpha val="30000"/>
+            </a:schemeClr>
+          </a:solidFill>
+        </p:spPr>
+        <p:style>
+          <a:lnRef idx="2">
+            <a:schemeClr val="accent1">
+              <a:shade val="50000"/>
+            </a:schemeClr>
+          </a:lnRef>
+          <a:fillRef idx="1">
+            <a:schemeClr val="accent1"/>
+          </a:fillRef>
+          <a:effectRef idx="0">
+            <a:schemeClr val="accent1"/>
+          </a:effectRef>
+          <a:fontRef idx="minor">
+            <a:schemeClr val="lt1"/>
+          </a:fontRef>
+        </p:style>
+        <p:txBody>
+          <a:bodyPr rtlCol="0" anchor="ctr"/>
+          <a:lstStyle/>
+          <a:p>
+            <a:r>
+              <a:rPr lang="da-DK" sz="2400" b="1">
+                <a:solidFill>
+                  <a:srgbClr val="0070C0"/>
+                </a:solidFill>
+                <a:latin typeface="Consolas" panose="020B0609020204030204" pitchFamily="49" charset="0"/>
+              </a:rPr>
+              <a:t>public void </a:t>
+            </a:r>
+            <a:r>
+              <a:rPr lang="da-DK" sz="2400" b="1">
+                <a:solidFill>
+                  <a:schemeClr val="tx1"/>
+                </a:solidFill>
+                <a:latin typeface="Consolas" panose="020B0609020204030204" pitchFamily="49" charset="0"/>
+              </a:rPr>
+              <a:t>MethodA()</a:t>
+            </a:r>
+          </a:p>
+          <a:p>
+            <a:r>
+              <a:rPr lang="da-DK" sz="2400" b="1" smtClean="0">
+                <a:solidFill>
+                  <a:schemeClr val="tx1"/>
+                </a:solidFill>
+                <a:latin typeface="Consolas" panose="020B0609020204030204" pitchFamily="49" charset="0"/>
+              </a:rPr>
+              <a:t>{</a:t>
+            </a:r>
+            <a:endParaRPr lang="da-DK" sz="2400" b="1">
+              <a:solidFill>
+                <a:schemeClr val="tx1"/>
+              </a:solidFill>
+              <a:latin typeface="Consolas" panose="020B0609020204030204" pitchFamily="49" charset="0"/>
+            </a:endParaRPr>
+          </a:p>
+        </p:txBody>
+      </p:sp>
+      <p:sp>
+        <p:nvSpPr>
+          <p:cNvPr id="5" name="Rektangel 4"/>
+          <p:cNvSpPr/>
+          <p:nvPr/>
+        </p:nvSpPr>
+        <p:spPr>
+          <a:xfrm>
+            <a:off x="867790" y="5242214"/>
+            <a:ext cx="4050454" cy="535954"/>
+          </a:xfrm>
+          <a:prstGeom prst="rect">
+            <a:avLst/>
+          </a:prstGeom>
+          <a:solidFill>
+            <a:schemeClr val="accent1">
+              <a:alpha val="30000"/>
+            </a:schemeClr>
+          </a:solidFill>
+        </p:spPr>
+        <p:style>
+          <a:lnRef idx="2">
+            <a:schemeClr val="accent1">
+              <a:shade val="50000"/>
+            </a:schemeClr>
+          </a:lnRef>
+          <a:fillRef idx="1">
+            <a:schemeClr val="accent1"/>
+          </a:fillRef>
+          <a:effectRef idx="0">
+            <a:schemeClr val="accent1"/>
+          </a:effectRef>
+          <a:fontRef idx="minor">
+            <a:schemeClr val="lt1"/>
+          </a:fontRef>
+        </p:style>
+        <p:txBody>
+          <a:bodyPr rtlCol="0" anchor="ctr"/>
+          <a:lstStyle/>
+          <a:p>
+            <a:r>
+              <a:rPr lang="da-DK" sz="2400" b="1" smtClean="0">
+                <a:solidFill>
+                  <a:schemeClr val="tx1"/>
+                </a:solidFill>
+                <a:latin typeface="Consolas" panose="020B0609020204030204" pitchFamily="49" charset="0"/>
+              </a:rPr>
+              <a:t>}</a:t>
+            </a:r>
+            <a:endParaRPr lang="da-DK" sz="2400" b="1">
+              <a:solidFill>
+                <a:schemeClr val="tx1"/>
+              </a:solidFill>
+              <a:latin typeface="Consolas" panose="020B0609020204030204" pitchFamily="49" charset="0"/>
+            </a:endParaRPr>
+          </a:p>
+        </p:txBody>
+      </p:sp>
+      <p:sp>
+        <p:nvSpPr>
+          <p:cNvPr id="6" name="Rektangel 5"/>
+          <p:cNvSpPr/>
+          <p:nvPr/>
+        </p:nvSpPr>
+        <p:spPr>
+          <a:xfrm>
+            <a:off x="867790" y="1580826"/>
+            <a:ext cx="4050454" cy="2701813"/>
+          </a:xfrm>
+          <a:prstGeom prst="rect">
+            <a:avLst/>
+          </a:prstGeom>
+          <a:solidFill>
+            <a:srgbClr val="FF0000">
+              <a:alpha val="30000"/>
+            </a:srgbClr>
+          </a:solidFill>
+        </p:spPr>
+        <p:style>
+          <a:lnRef idx="2">
+            <a:schemeClr val="accent1">
+              <a:shade val="50000"/>
+            </a:schemeClr>
+          </a:lnRef>
+          <a:fillRef idx="1">
+            <a:schemeClr val="accent1"/>
+          </a:fillRef>
+          <a:effectRef idx="0">
+            <a:schemeClr val="accent1"/>
+          </a:effectRef>
+          <a:fontRef idx="minor">
+            <a:schemeClr val="lt1"/>
+          </a:fontRef>
+        </p:style>
+        <p:txBody>
+          <a:bodyPr rtlCol="0" anchor="ctr"/>
+          <a:lstStyle/>
+          <a:p>
+            <a:endParaRPr lang="da-DK" sz="2400" b="1">
+              <a:solidFill>
+                <a:schemeClr val="tx1"/>
+              </a:solidFill>
+              <a:latin typeface="Consolas" panose="020B0609020204030204" pitchFamily="49" charset="0"/>
+            </a:endParaRPr>
+          </a:p>
+        </p:txBody>
+      </p:sp>
+      <p:sp>
+        <p:nvSpPr>
+          <p:cNvPr id="7" name="Rektangel 6"/>
+          <p:cNvSpPr/>
+          <p:nvPr/>
+        </p:nvSpPr>
+        <p:spPr>
+          <a:xfrm>
+            <a:off x="7211763" y="621251"/>
+            <a:ext cx="4050454" cy="959575"/>
+          </a:xfrm>
+          <a:prstGeom prst="rect">
+            <a:avLst/>
+          </a:prstGeom>
+          <a:solidFill>
+            <a:schemeClr val="accent1">
+              <a:alpha val="30000"/>
+            </a:schemeClr>
+          </a:solidFill>
+        </p:spPr>
+        <p:style>
+          <a:lnRef idx="2">
+            <a:schemeClr val="accent1">
+              <a:shade val="50000"/>
+            </a:schemeClr>
+          </a:lnRef>
+          <a:fillRef idx="1">
+            <a:schemeClr val="accent1"/>
+          </a:fillRef>
+          <a:effectRef idx="0">
+            <a:schemeClr val="accent1"/>
+          </a:effectRef>
+          <a:fontRef idx="minor">
+            <a:schemeClr val="lt1"/>
+          </a:fontRef>
+        </p:style>
+        <p:txBody>
+          <a:bodyPr rtlCol="0" anchor="ctr"/>
+          <a:lstStyle/>
+          <a:p>
+            <a:r>
+              <a:rPr lang="da-DK" sz="2400" b="1">
+                <a:solidFill>
+                  <a:srgbClr val="0070C0"/>
+                </a:solidFill>
+                <a:latin typeface="Consolas" panose="020B0609020204030204" pitchFamily="49" charset="0"/>
+              </a:rPr>
+              <a:t>public void </a:t>
+            </a:r>
+            <a:r>
+              <a:rPr lang="da-DK" sz="2400" b="1" smtClean="0">
+                <a:solidFill>
+                  <a:schemeClr val="tx1"/>
+                </a:solidFill>
+                <a:latin typeface="Consolas" panose="020B0609020204030204" pitchFamily="49" charset="0"/>
+              </a:rPr>
+              <a:t>MethodB()</a:t>
+            </a:r>
+            <a:endParaRPr lang="da-DK" sz="2400" b="1">
+              <a:solidFill>
+                <a:schemeClr val="tx1"/>
+              </a:solidFill>
+              <a:latin typeface="Consolas" panose="020B0609020204030204" pitchFamily="49" charset="0"/>
+            </a:endParaRPr>
+          </a:p>
+          <a:p>
+            <a:r>
+              <a:rPr lang="da-DK" sz="2400" b="1" smtClean="0">
+                <a:solidFill>
+                  <a:schemeClr val="tx1"/>
+                </a:solidFill>
+                <a:latin typeface="Consolas" panose="020B0609020204030204" pitchFamily="49" charset="0"/>
+              </a:rPr>
+              <a:t>{</a:t>
+            </a:r>
+            <a:endParaRPr lang="da-DK" sz="2400" b="1">
+              <a:solidFill>
+                <a:schemeClr val="tx1"/>
+              </a:solidFill>
+              <a:latin typeface="Consolas" panose="020B0609020204030204" pitchFamily="49" charset="0"/>
+            </a:endParaRPr>
+          </a:p>
+        </p:txBody>
+      </p:sp>
+      <p:sp>
+        <p:nvSpPr>
+          <p:cNvPr id="9" name="Rektangel 8"/>
+          <p:cNvSpPr/>
+          <p:nvPr/>
+        </p:nvSpPr>
+        <p:spPr>
+          <a:xfrm>
+            <a:off x="867790" y="4282640"/>
+            <a:ext cx="4050454" cy="959575"/>
+          </a:xfrm>
+          <a:prstGeom prst="rect">
+            <a:avLst/>
+          </a:prstGeom>
+          <a:solidFill>
+            <a:schemeClr val="accent6">
+              <a:lumMod val="75000"/>
+              <a:alpha val="30000"/>
+            </a:schemeClr>
+          </a:solidFill>
+        </p:spPr>
+        <p:style>
+          <a:lnRef idx="2">
+            <a:schemeClr val="accent1">
+              <a:shade val="50000"/>
+            </a:schemeClr>
+          </a:lnRef>
+          <a:fillRef idx="1">
+            <a:schemeClr val="accent1"/>
+          </a:fillRef>
+          <a:effectRef idx="0">
+            <a:schemeClr val="accent1"/>
+          </a:effectRef>
+          <a:fontRef idx="minor">
+            <a:schemeClr val="lt1"/>
+          </a:fontRef>
+        </p:style>
+        <p:txBody>
+          <a:bodyPr rtlCol="0" anchor="ctr"/>
+          <a:lstStyle/>
+          <a:p>
+            <a:endParaRPr lang="da-DK" sz="2400" b="1">
+              <a:solidFill>
+                <a:schemeClr val="tx1"/>
+              </a:solidFill>
+              <a:latin typeface="Consolas" panose="020B0609020204030204" pitchFamily="49" charset="0"/>
+            </a:endParaRPr>
+          </a:p>
+        </p:txBody>
+      </p:sp>
+      <p:sp>
+        <p:nvSpPr>
+          <p:cNvPr id="10" name="Rektangel 9"/>
+          <p:cNvSpPr/>
+          <p:nvPr/>
+        </p:nvSpPr>
+        <p:spPr>
+          <a:xfrm>
+            <a:off x="7211763" y="4282639"/>
+            <a:ext cx="4050454" cy="959575"/>
+          </a:xfrm>
+          <a:prstGeom prst="rect">
+            <a:avLst/>
+          </a:prstGeom>
+          <a:solidFill>
+            <a:schemeClr val="tx1">
+              <a:lumMod val="85000"/>
+              <a:lumOff val="15000"/>
+              <a:alpha val="30000"/>
+            </a:schemeClr>
+          </a:solidFill>
+        </p:spPr>
+        <p:style>
+          <a:lnRef idx="2">
+            <a:schemeClr val="accent1">
+              <a:shade val="50000"/>
+            </a:schemeClr>
+          </a:lnRef>
+          <a:fillRef idx="1">
+            <a:schemeClr val="accent1"/>
+          </a:fillRef>
+          <a:effectRef idx="0">
+            <a:schemeClr val="accent1"/>
+          </a:effectRef>
+          <a:fontRef idx="minor">
+            <a:schemeClr val="lt1"/>
+          </a:fontRef>
+        </p:style>
+        <p:txBody>
+          <a:bodyPr rtlCol="0" anchor="ctr"/>
+          <a:lstStyle/>
+          <a:p>
+            <a:endParaRPr lang="da-DK" sz="2400" b="1">
+              <a:solidFill>
+                <a:schemeClr val="tx1"/>
+              </a:solidFill>
+              <a:latin typeface="Consolas" panose="020B0609020204030204" pitchFamily="49" charset="0"/>
+            </a:endParaRPr>
+          </a:p>
+        </p:txBody>
+      </p:sp>
+      <p:sp>
+        <p:nvSpPr>
+          <p:cNvPr id="12" name="Rektangel 11"/>
+          <p:cNvSpPr/>
+          <p:nvPr/>
+        </p:nvSpPr>
+        <p:spPr>
+          <a:xfrm>
+            <a:off x="7211763" y="5242214"/>
+            <a:ext cx="4050454" cy="535954"/>
+          </a:xfrm>
+          <a:prstGeom prst="rect">
+            <a:avLst/>
+          </a:prstGeom>
+          <a:solidFill>
+            <a:schemeClr val="accent1">
+              <a:alpha val="30000"/>
+            </a:schemeClr>
+          </a:solidFill>
+        </p:spPr>
+        <p:style>
+          <a:lnRef idx="2">
+            <a:schemeClr val="accent1">
+              <a:shade val="50000"/>
+            </a:schemeClr>
+          </a:lnRef>
+          <a:fillRef idx="1">
+            <a:schemeClr val="accent1"/>
+          </a:fillRef>
+          <a:effectRef idx="0">
+            <a:schemeClr val="accent1"/>
+          </a:effectRef>
+          <a:fontRef idx="minor">
+            <a:schemeClr val="lt1"/>
+          </a:fontRef>
+        </p:style>
+        <p:txBody>
+          <a:bodyPr rtlCol="0" anchor="ctr"/>
+          <a:lstStyle/>
+          <a:p>
+            <a:r>
+              <a:rPr lang="da-DK" sz="2400" b="1" smtClean="0">
+                <a:solidFill>
+                  <a:schemeClr val="tx1"/>
+                </a:solidFill>
+                <a:latin typeface="Consolas" panose="020B0609020204030204" pitchFamily="49" charset="0"/>
+              </a:rPr>
+              <a:t>}</a:t>
+            </a:r>
+            <a:endParaRPr lang="da-DK" sz="2400" b="1">
+              <a:solidFill>
+                <a:schemeClr val="tx1"/>
+              </a:solidFill>
+              <a:latin typeface="Consolas" panose="020B0609020204030204" pitchFamily="49" charset="0"/>
+            </a:endParaRPr>
+          </a:p>
+        </p:txBody>
+      </p:sp>
+      <p:sp>
+        <p:nvSpPr>
+          <p:cNvPr id="13" name="Rektangel 12"/>
+          <p:cNvSpPr/>
+          <p:nvPr/>
+        </p:nvSpPr>
+        <p:spPr>
+          <a:xfrm>
+            <a:off x="7211763" y="1580826"/>
+            <a:ext cx="4050454" cy="2701813"/>
+          </a:xfrm>
+          <a:prstGeom prst="rect">
+            <a:avLst/>
+          </a:prstGeom>
+          <a:solidFill>
+            <a:srgbClr val="FF0000">
+              <a:alpha val="30000"/>
+            </a:srgbClr>
+          </a:solidFill>
+        </p:spPr>
+        <p:style>
+          <a:lnRef idx="2">
+            <a:schemeClr val="accent1">
+              <a:shade val="50000"/>
+            </a:schemeClr>
+          </a:lnRef>
+          <a:fillRef idx="1">
+            <a:schemeClr val="accent1"/>
+          </a:fillRef>
+          <a:effectRef idx="0">
+            <a:schemeClr val="accent1"/>
+          </a:effectRef>
+          <a:fontRef idx="minor">
+            <a:schemeClr val="lt1"/>
+          </a:fontRef>
+        </p:style>
+        <p:txBody>
+          <a:bodyPr rtlCol="0" anchor="ctr"/>
+          <a:lstStyle/>
+          <a:p>
+            <a:endParaRPr lang="da-DK" sz="2400" b="1">
+              <a:solidFill>
+                <a:schemeClr val="tx1"/>
+              </a:solidFill>
+              <a:latin typeface="Consolas" panose="020B0609020204030204" pitchFamily="49" charset="0"/>
+            </a:endParaRPr>
+          </a:p>
+        </p:txBody>
+      </p:sp>
+      <p:pic>
+        <p:nvPicPr>
+          <p:cNvPr id="14" name="Picture 2" descr="Billedresultat for negative icon"/>
+          <p:cNvPicPr>
+            <a:picLocks noChangeAspect="1" noChangeArrowheads="1"/>
+          </p:cNvPicPr>
+          <p:nvPr/>
+        </p:nvPicPr>
+        <p:blipFill>
+          <a:blip r:embed="rId2" cstate="print">
+            <a:extLst>
+              <a:ext uri="{28A0092B-C50C-407E-A947-70E740481C1C}">
+                <a14:useLocalDpi xmlns:a14="http://schemas.microsoft.com/office/drawing/2010/main" val="0"/>
+              </a:ext>
+            </a:extLst>
+          </a:blip>
+          <a:srcRect/>
+          <a:stretch>
+            <a:fillRect/>
+          </a:stretch>
+        </p:blipFill>
+        <p:spPr bwMode="auto">
+          <a:xfrm>
             <a:off x="5345003" y="2211732"/>
             <a:ext cx="1440000" cy="1440000"/>
           </a:xfrm>
@@ -5905,13 +6135,13 @@
   <p:clrMapOvr>
     <a:masterClrMapping/>
   </p:clrMapOvr>
-  <mc:AlternateContent xmlns:mc="http://schemas.openxmlformats.org/markup-compatibility/2006">
-    <mc:Choice xmlns:p14="http://schemas.microsoft.com/office/powerpoint/2010/main" Requires="p14">
+  <mc:AlternateContent xmlns:mc="http://schemas.openxmlformats.org/markup-compatibility/2006" xmlns:p14="http://schemas.microsoft.com/office/powerpoint/2010/main">
+    <mc:Choice Requires="p14">
       <p:transition spd="med" p14:dur="700">
         <p:fade/>
       </p:transition>
     </mc:Choice>
-    <mc:Fallback>
+    <mc:Fallback xmlns="">
       <p:transition spd="med">
         <p:fade/>
       </p:transition>
@@ -6109,7 +6339,7 @@
 </p:sld>
 </file>
 
-<file path=ppt/slides/slide15.xml><?xml version="1.0" encoding="utf-8"?>
+<file path=ppt/slides/slide16.xml><?xml version="1.0" encoding="utf-8"?>
 <p:sld xmlns:a="http://schemas.openxmlformats.org/drawingml/2006/main" xmlns:r="http://schemas.openxmlformats.org/officeDocument/2006/relationships" xmlns:p="http://schemas.openxmlformats.org/presentationml/2006/main">
   <p:cSld>
     <p:spTree>
@@ -6323,16 +6553,7 @@
                 </a:solidFill>
                 <a:latin typeface="Consolas" panose="020B0609020204030204" pitchFamily="49" charset="0"/>
               </a:rPr>
-              <a:t>public </a:t>
-            </a:r>
-            <a:r>
-              <a:rPr lang="da-DK" sz="2400" b="1">
-                <a:solidFill>
-                  <a:srgbClr val="0070C0"/>
-                </a:solidFill>
-                <a:latin typeface="Consolas" panose="020B0609020204030204" pitchFamily="49" charset="0"/>
-              </a:rPr>
-              <a:t>void </a:t>
+              <a:t>public void </a:t>
             </a:r>
             <a:r>
               <a:rPr lang="da-DK" sz="2400" b="1" smtClean="0">
@@ -6755,13 +6976,13 @@
   <p:clrMapOvr>
     <a:masterClrMapping/>
   </p:clrMapOvr>
-  <mc:AlternateContent xmlns:mc="http://schemas.openxmlformats.org/markup-compatibility/2006">
-    <mc:Choice xmlns:p14="http://schemas.microsoft.com/office/powerpoint/2010/main" Requires="p14">
+  <mc:AlternateContent xmlns:mc="http://schemas.openxmlformats.org/markup-compatibility/2006" xmlns:p14="http://schemas.microsoft.com/office/powerpoint/2010/main">
+    <mc:Choice Requires="p14">
       <p:transition spd="med" p14:dur="700">
         <p:fade/>
       </p:transition>
     </mc:Choice>
-    <mc:Fallback>
+    <mc:Fallback xmlns="">
       <p:transition spd="med">
         <p:fade/>
       </p:transition>
@@ -7142,7 +7363,7 @@
 </p:sld>
 </file>
 
-<file path=ppt/slides/slide16.xml><?xml version="1.0" encoding="utf-8"?>
+<file path=ppt/slides/slide17.xml><?xml version="1.0" encoding="utf-8"?>
 <p:sld xmlns:a="http://schemas.openxmlformats.org/drawingml/2006/main" xmlns:r="http://schemas.openxmlformats.org/officeDocument/2006/relationships" xmlns:p="http://schemas.openxmlformats.org/presentationml/2006/main">
   <p:cSld>
     <p:spTree>
@@ -7196,84 +7417,6 @@
     <p:extLst>
       <p:ext uri="{BB962C8B-B14F-4D97-AF65-F5344CB8AC3E}">
         <p14:creationId xmlns:p14="http://schemas.microsoft.com/office/powerpoint/2010/main" val="3248313610"/>
-      </p:ext>
-    </p:extLst>
-  </p:cSld>
-  <p:clrMapOvr>
-    <a:masterClrMapping/>
-  </p:clrMapOvr>
-  <p:timing>
-    <p:tnLst>
-      <p:par>
-        <p:cTn id="1" dur="indefinite" restart="never" nodeType="tmRoot"/>
-      </p:par>
-    </p:tnLst>
-  </p:timing>
-</p:sld>
-</file>
-
-<file path=ppt/slides/slide17.xml><?xml version="1.0" encoding="utf-8"?>
-<p:sld xmlns:a="http://schemas.openxmlformats.org/drawingml/2006/main" xmlns:r="http://schemas.openxmlformats.org/officeDocument/2006/relationships" xmlns:p="http://schemas.openxmlformats.org/presentationml/2006/main">
-  <p:cSld>
-    <p:spTree>
-      <p:nvGrpSpPr>
-        <p:cNvPr id="1" name=""/>
-        <p:cNvGrpSpPr/>
-        <p:nvPr/>
-      </p:nvGrpSpPr>
-      <p:grpSpPr>
-        <a:xfrm>
-          <a:off x="0" y="0"/>
-          <a:ext cx="0" cy="0"/>
-          <a:chOff x="0" y="0"/>
-          <a:chExt cx="0" cy="0"/>
-        </a:xfrm>
-      </p:grpSpPr>
-      <p:pic>
-        <p:nvPicPr>
-          <p:cNvPr id="2050" name="Picture 2" descr="Billedresultat for refactoring meme"/>
-          <p:cNvPicPr>
-            <a:picLocks noChangeAspect="1" noChangeArrowheads="1"/>
-          </p:cNvPicPr>
-          <p:nvPr/>
-        </p:nvPicPr>
-        <p:blipFill>
-          <a:blip r:embed="rId2">
-            <a:extLst>
-              <a:ext uri="{28A0092B-C50C-407E-A947-70E740481C1C}">
-                <a14:useLocalDpi xmlns:a14="http://schemas.microsoft.com/office/drawing/2010/main" val="0"/>
-              </a:ext>
-            </a:extLst>
-          </a:blip>
-          <a:srcRect/>
-          <a:stretch>
-            <a:fillRect/>
-          </a:stretch>
-        </p:blipFill>
-        <p:spPr bwMode="auto">
-          <a:xfrm>
-            <a:off x="1906884" y="862469"/>
-            <a:ext cx="8345348" cy="5484086"/>
-          </a:xfrm>
-          <a:prstGeom prst="rect">
-            <a:avLst/>
-          </a:prstGeom>
-          <a:noFill/>
-          <a:extLst>
-            <a:ext uri="{909E8E84-426E-40DD-AFC4-6F175D3DCCD1}">
-              <a14:hiddenFill xmlns:a14="http://schemas.microsoft.com/office/drawing/2010/main">
-                <a:solidFill>
-                  <a:srgbClr val="FFFFFF"/>
-                </a:solidFill>
-              </a14:hiddenFill>
-            </a:ext>
-          </a:extLst>
-        </p:spPr>
-      </p:pic>
-    </p:spTree>
-    <p:extLst>
-      <p:ext uri="{BB962C8B-B14F-4D97-AF65-F5344CB8AC3E}">
-        <p14:creationId xmlns:p14="http://schemas.microsoft.com/office/powerpoint/2010/main" val="575259916"/>
       </p:ext>
     </p:extLst>
   </p:cSld>
@@ -7307,6 +7450,84 @@
           <a:chExt cx="0" cy="0"/>
         </a:xfrm>
       </p:grpSpPr>
+      <p:pic>
+        <p:nvPicPr>
+          <p:cNvPr id="2050" name="Picture 2" descr="Billedresultat for refactoring meme"/>
+          <p:cNvPicPr>
+            <a:picLocks noChangeAspect="1" noChangeArrowheads="1"/>
+          </p:cNvPicPr>
+          <p:nvPr/>
+        </p:nvPicPr>
+        <p:blipFill>
+          <a:blip r:embed="rId2">
+            <a:extLst>
+              <a:ext uri="{28A0092B-C50C-407E-A947-70E740481C1C}">
+                <a14:useLocalDpi xmlns:a14="http://schemas.microsoft.com/office/drawing/2010/main" val="0"/>
+              </a:ext>
+            </a:extLst>
+          </a:blip>
+          <a:srcRect/>
+          <a:stretch>
+            <a:fillRect/>
+          </a:stretch>
+        </p:blipFill>
+        <p:spPr bwMode="auto">
+          <a:xfrm>
+            <a:off x="1906884" y="862469"/>
+            <a:ext cx="8345348" cy="5484086"/>
+          </a:xfrm>
+          <a:prstGeom prst="rect">
+            <a:avLst/>
+          </a:prstGeom>
+          <a:noFill/>
+          <a:extLst>
+            <a:ext uri="{909E8E84-426E-40DD-AFC4-6F175D3DCCD1}">
+              <a14:hiddenFill xmlns:a14="http://schemas.microsoft.com/office/drawing/2010/main">
+                <a:solidFill>
+                  <a:srgbClr val="FFFFFF"/>
+                </a:solidFill>
+              </a14:hiddenFill>
+            </a:ext>
+          </a:extLst>
+        </p:spPr>
+      </p:pic>
+    </p:spTree>
+    <p:extLst>
+      <p:ext uri="{BB962C8B-B14F-4D97-AF65-F5344CB8AC3E}">
+        <p14:creationId xmlns:p14="http://schemas.microsoft.com/office/powerpoint/2010/main" val="575259916"/>
+      </p:ext>
+    </p:extLst>
+  </p:cSld>
+  <p:clrMapOvr>
+    <a:masterClrMapping/>
+  </p:clrMapOvr>
+  <p:timing>
+    <p:tnLst>
+      <p:par>
+        <p:cTn id="1" dur="indefinite" restart="never" nodeType="tmRoot"/>
+      </p:par>
+    </p:tnLst>
+  </p:timing>
+</p:sld>
+</file>
+
+<file path=ppt/slides/slide19.xml><?xml version="1.0" encoding="utf-8"?>
+<p:sld xmlns:a="http://schemas.openxmlformats.org/drawingml/2006/main" xmlns:r="http://schemas.openxmlformats.org/officeDocument/2006/relationships" xmlns:p="http://schemas.openxmlformats.org/presentationml/2006/main">
+  <p:cSld>
+    <p:spTree>
+      <p:nvGrpSpPr>
+        <p:cNvPr id="1" name=""/>
+        <p:cNvGrpSpPr/>
+        <p:nvPr/>
+      </p:nvGrpSpPr>
+      <p:grpSpPr>
+        <a:xfrm>
+          <a:off x="0" y="0"/>
+          <a:ext cx="0" cy="0"/>
+          <a:chOff x="0" y="0"/>
+          <a:chExt cx="0" cy="0"/>
+        </a:xfrm>
+      </p:grpSpPr>
       <p:sp>
         <p:nvSpPr>
           <p:cNvPr id="2" name="Rektangel 1"/>
@@ -7941,11 +8162,11 @@
   <p:clrMapOvr>
     <a:masterClrMapping/>
   </p:clrMapOvr>
-  <mc:AlternateContent xmlns:mc="http://schemas.openxmlformats.org/markup-compatibility/2006">
-    <mc:Choice xmlns:p14="http://schemas.microsoft.com/office/powerpoint/2010/main" Requires="p14">
+  <mc:AlternateContent xmlns:mc="http://schemas.openxmlformats.org/markup-compatibility/2006" xmlns:p14="http://schemas.microsoft.com/office/powerpoint/2010/main">
+    <mc:Choice Requires="p14">
       <p:transition p14:dur="0"/>
     </mc:Choice>
-    <mc:Fallback>
+    <mc:Fallback xmlns="">
       <p:transition/>
     </mc:Fallback>
   </mc:AlternateContent>
@@ -8105,7 +8326,157 @@
 </p:sld>
 </file>
 
-<file path=ppt/slides/slide19.xml><?xml version="1.0" encoding="utf-8"?>
+<file path=ppt/slides/slide2.xml><?xml version="1.0" encoding="utf-8"?>
+<p:sld xmlns:a="http://schemas.openxmlformats.org/drawingml/2006/main" xmlns:r="http://schemas.openxmlformats.org/officeDocument/2006/relationships" xmlns:p="http://schemas.openxmlformats.org/presentationml/2006/main">
+  <p:cSld>
+    <p:spTree>
+      <p:nvGrpSpPr>
+        <p:cNvPr id="1" name=""/>
+        <p:cNvGrpSpPr/>
+        <p:nvPr/>
+      </p:nvGrpSpPr>
+      <p:grpSpPr>
+        <a:xfrm>
+          <a:off x="0" y="0"/>
+          <a:ext cx="0" cy="0"/>
+          <a:chOff x="0" y="0"/>
+          <a:chExt cx="0" cy="0"/>
+        </a:xfrm>
+      </p:grpSpPr>
+      <p:sp>
+        <p:nvSpPr>
+          <p:cNvPr id="2" name="Titel 1"/>
+          <p:cNvSpPr>
+            <a:spLocks noGrp="1"/>
+          </p:cNvSpPr>
+          <p:nvPr>
+            <p:ph type="title"/>
+          </p:nvPr>
+        </p:nvSpPr>
+        <p:spPr/>
+        <p:txBody>
+          <a:bodyPr>
+            <a:normAutofit/>
+          </a:bodyPr>
+          <a:lstStyle/>
+          <a:p>
+            <a:r>
+              <a:rPr lang="da-DK" sz="4800" b="1" smtClean="0">
+                <a:solidFill>
+                  <a:srgbClr val="FF0000"/>
+                </a:solidFill>
+              </a:rPr>
+              <a:t>D</a:t>
+            </a:r>
+            <a:r>
+              <a:rPr lang="da-DK" sz="4800" b="1" smtClean="0"/>
+              <a:t>on’t </a:t>
+            </a:r>
+            <a:r>
+              <a:rPr lang="da-DK" sz="4800" b="1" smtClean="0">
+                <a:solidFill>
+                  <a:srgbClr val="FF0000"/>
+                </a:solidFill>
+              </a:rPr>
+              <a:t>R</a:t>
+            </a:r>
+            <a:r>
+              <a:rPr lang="da-DK" sz="4800" b="1" smtClean="0"/>
+              <a:t>epeat </a:t>
+            </a:r>
+            <a:r>
+              <a:rPr lang="da-DK" sz="4800" b="1" smtClean="0">
+                <a:solidFill>
+                  <a:srgbClr val="FF0000"/>
+                </a:solidFill>
+              </a:rPr>
+              <a:t>Y</a:t>
+            </a:r>
+            <a:r>
+              <a:rPr lang="da-DK" sz="4800" b="1" smtClean="0"/>
+              <a:t>ourself - Levels</a:t>
+            </a:r>
+            <a:endParaRPr lang="da-DK" sz="4800" b="1"/>
+          </a:p>
+        </p:txBody>
+      </p:sp>
+      <p:sp>
+        <p:nvSpPr>
+          <p:cNvPr id="3" name="Pladsholder til indhold 2"/>
+          <p:cNvSpPr>
+            <a:spLocks noGrp="1"/>
+          </p:cNvSpPr>
+          <p:nvPr>
+            <p:ph idx="1"/>
+          </p:nvPr>
+        </p:nvSpPr>
+        <p:spPr/>
+        <p:txBody>
+          <a:bodyPr>
+            <a:normAutofit/>
+          </a:bodyPr>
+          <a:lstStyle/>
+          <a:p>
+            <a:r>
+              <a:rPr lang="da-DK" sz="4000" smtClean="0">
+                <a:latin typeface="+mj-lt"/>
+              </a:rPr>
+              <a:t>Value</a:t>
+            </a:r>
+          </a:p>
+          <a:p>
+            <a:r>
+              <a:rPr lang="da-DK" sz="4000" smtClean="0">
+                <a:latin typeface="+mj-lt"/>
+              </a:rPr>
+              <a:t>Instance field</a:t>
+            </a:r>
+            <a:endParaRPr lang="da-DK" sz="4000" smtClean="0">
+              <a:latin typeface="+mj-lt"/>
+            </a:endParaRPr>
+          </a:p>
+          <a:p>
+            <a:r>
+              <a:rPr lang="da-DK" sz="4000" smtClean="0">
+                <a:latin typeface="+mj-lt"/>
+              </a:rPr>
+              <a:t>Method</a:t>
+            </a:r>
+          </a:p>
+          <a:p>
+            <a:r>
+              <a:rPr lang="da-DK" sz="4000" smtClean="0">
+                <a:latin typeface="+mj-lt"/>
+              </a:rPr>
+              <a:t>Class</a:t>
+            </a:r>
+            <a:endParaRPr lang="da-DK" sz="4000">
+              <a:latin typeface="+mj-lt"/>
+            </a:endParaRPr>
+          </a:p>
+        </p:txBody>
+      </p:sp>
+    </p:spTree>
+    <p:extLst>
+      <p:ext uri="{BB962C8B-B14F-4D97-AF65-F5344CB8AC3E}">
+        <p14:creationId xmlns:p14="http://schemas.microsoft.com/office/powerpoint/2010/main" val="249085462"/>
+      </p:ext>
+    </p:extLst>
+  </p:cSld>
+  <p:clrMapOvr>
+    <a:masterClrMapping/>
+  </p:clrMapOvr>
+  <p:timing>
+    <p:tnLst>
+      <p:par>
+        <p:cTn id="1" dur="indefinite" restart="never" nodeType="tmRoot"/>
+      </p:par>
+    </p:tnLst>
+  </p:timing>
+</p:sld>
+</file>
+
+<file path=ppt/slides/slide20.xml><?xml version="1.0" encoding="utf-8"?>
 <p:sld xmlns:a="http://schemas.openxmlformats.org/drawingml/2006/main" xmlns:r="http://schemas.openxmlformats.org/officeDocument/2006/relationships" xmlns:p="http://schemas.openxmlformats.org/presentationml/2006/main">
   <p:cSld>
     <p:spTree>
@@ -9111,7 +9482,7 @@
 </p:sld>
 </file>
 
-<file path=ppt/slides/slide2.xml><?xml version="1.0" encoding="utf-8"?>
+<file path=ppt/slides/slide21.xml><?xml version="1.0" encoding="utf-8"?>
 <p:sld xmlns:a="http://schemas.openxmlformats.org/drawingml/2006/main" xmlns:r="http://schemas.openxmlformats.org/officeDocument/2006/relationships" xmlns:p="http://schemas.openxmlformats.org/presentationml/2006/main">
   <p:cSld>
     <p:spTree>
@@ -9130,143 +9501,6 @@
       </p:grpSpPr>
       <p:sp>
         <p:nvSpPr>
-          <p:cNvPr id="2" name="Titel 1"/>
-          <p:cNvSpPr>
-            <a:spLocks noGrp="1"/>
-          </p:cNvSpPr>
-          <p:nvPr>
-            <p:ph type="title"/>
-          </p:nvPr>
-        </p:nvSpPr>
-        <p:spPr/>
-        <p:txBody>
-          <a:bodyPr>
-            <a:normAutofit/>
-          </a:bodyPr>
-          <a:lstStyle/>
-          <a:p>
-            <a:r>
-              <a:rPr lang="da-DK" sz="4800" smtClean="0">
-                <a:solidFill>
-                  <a:srgbClr val="FF0000"/>
-                </a:solidFill>
-              </a:rPr>
-              <a:t>D</a:t>
-            </a:r>
-            <a:r>
-              <a:rPr lang="da-DK" sz="4800" smtClean="0"/>
-              <a:t>on’t </a:t>
-            </a:r>
-            <a:r>
-              <a:rPr lang="da-DK" sz="4800" smtClean="0">
-                <a:solidFill>
-                  <a:srgbClr val="FF0000"/>
-                </a:solidFill>
-              </a:rPr>
-              <a:t>R</a:t>
-            </a:r>
-            <a:r>
-              <a:rPr lang="da-DK" sz="4800" smtClean="0"/>
-              <a:t>epeat </a:t>
-            </a:r>
-            <a:r>
-              <a:rPr lang="da-DK" sz="4800" smtClean="0">
-                <a:solidFill>
-                  <a:srgbClr val="FF0000"/>
-                </a:solidFill>
-              </a:rPr>
-              <a:t>Y</a:t>
-            </a:r>
-            <a:r>
-              <a:rPr lang="da-DK" sz="4800" smtClean="0"/>
-              <a:t>ourself - Levels</a:t>
-            </a:r>
-            <a:endParaRPr lang="da-DK" sz="4800"/>
-          </a:p>
-        </p:txBody>
-      </p:sp>
-      <p:sp>
-        <p:nvSpPr>
-          <p:cNvPr id="3" name="Pladsholder til indhold 2"/>
-          <p:cNvSpPr>
-            <a:spLocks noGrp="1"/>
-          </p:cNvSpPr>
-          <p:nvPr>
-            <p:ph idx="1"/>
-          </p:nvPr>
-        </p:nvSpPr>
-        <p:spPr/>
-        <p:txBody>
-          <a:bodyPr>
-            <a:normAutofit/>
-          </a:bodyPr>
-          <a:lstStyle/>
-          <a:p>
-            <a:r>
-              <a:rPr lang="da-DK" sz="4000" smtClean="0"/>
-              <a:t>Value</a:t>
-            </a:r>
-          </a:p>
-          <a:p>
-            <a:r>
-              <a:rPr lang="da-DK" sz="4000" smtClean="0"/>
-              <a:t>Instance</a:t>
-            </a:r>
-          </a:p>
-          <a:p>
-            <a:r>
-              <a:rPr lang="da-DK" sz="4000" smtClean="0"/>
-              <a:t>Method</a:t>
-            </a:r>
-          </a:p>
-          <a:p>
-            <a:r>
-              <a:rPr lang="da-DK" sz="4000" smtClean="0"/>
-              <a:t>Class</a:t>
-            </a:r>
-            <a:endParaRPr lang="da-DK" sz="4000"/>
-          </a:p>
-        </p:txBody>
-      </p:sp>
-    </p:spTree>
-    <p:extLst>
-      <p:ext uri="{BB962C8B-B14F-4D97-AF65-F5344CB8AC3E}">
-        <p14:creationId xmlns:p14="http://schemas.microsoft.com/office/powerpoint/2010/main" val="249085462"/>
-      </p:ext>
-    </p:extLst>
-  </p:cSld>
-  <p:clrMapOvr>
-    <a:masterClrMapping/>
-  </p:clrMapOvr>
-  <p:timing>
-    <p:tnLst>
-      <p:par>
-        <p:cTn id="1" dur="indefinite" restart="never" nodeType="tmRoot"/>
-      </p:par>
-    </p:tnLst>
-  </p:timing>
-</p:sld>
-</file>
-
-<file path=ppt/slides/slide20.xml><?xml version="1.0" encoding="utf-8"?>
-<p:sld xmlns:a="http://schemas.openxmlformats.org/drawingml/2006/main" xmlns:r="http://schemas.openxmlformats.org/officeDocument/2006/relationships" xmlns:p="http://schemas.openxmlformats.org/presentationml/2006/main">
-  <p:cSld>
-    <p:spTree>
-      <p:nvGrpSpPr>
-        <p:cNvPr id="1" name=""/>
-        <p:cNvGrpSpPr/>
-        <p:nvPr/>
-      </p:nvGrpSpPr>
-      <p:grpSpPr>
-        <a:xfrm>
-          <a:off x="0" y="0"/>
-          <a:ext cx="0" cy="0"/>
-          <a:chOff x="0" y="0"/>
-          <a:chExt cx="0" cy="0"/>
-        </a:xfrm>
-      </p:grpSpPr>
-      <p:sp>
-        <p:nvSpPr>
           <p:cNvPr id="7" name="Rektangel 6"/>
           <p:cNvSpPr/>
           <p:nvPr/>
@@ -9562,11 +9796,11 @@
   <p:clrMapOvr>
     <a:masterClrMapping/>
   </p:clrMapOvr>
-  <mc:AlternateContent xmlns:mc="http://schemas.openxmlformats.org/markup-compatibility/2006">
-    <mc:Choice xmlns:p14="http://schemas.microsoft.com/office/powerpoint/2010/main" Requires="p14">
+  <mc:AlternateContent xmlns:mc="http://schemas.openxmlformats.org/markup-compatibility/2006" xmlns:p14="http://schemas.microsoft.com/office/powerpoint/2010/main">
+    <mc:Choice Requires="p14">
       <p:transition p14:dur="0"/>
     </mc:Choice>
-    <mc:Fallback>
+    <mc:Fallback xmlns="">
       <p:transition/>
     </mc:Fallback>
   </mc:AlternateContent>
@@ -14324,11 +14558,11 @@
   <p:clrMapOvr>
     <a:masterClrMapping/>
   </p:clrMapOvr>
-  <mc:AlternateContent xmlns:mc="http://schemas.openxmlformats.org/markup-compatibility/2006">
-    <mc:Choice xmlns:p14="http://schemas.microsoft.com/office/powerpoint/2010/main" Requires="p14">
+  <mc:AlternateContent xmlns:mc="http://schemas.openxmlformats.org/markup-compatibility/2006" xmlns:p14="http://schemas.microsoft.com/office/powerpoint/2010/main">
+    <mc:Choice Requires="p14">
       <p:transition p14:dur="0"/>
     </mc:Choice>
-    <mc:Fallback>
+    <mc:Fallback xmlns="">
       <p:transition/>
     </mc:Fallback>
   </mc:AlternateContent>
@@ -14480,31 +14714,19 @@
               <a:rPr lang="da-DK" sz="2800" b="1">
                 <a:latin typeface="Consolas" panose="020B0609020204030204" pitchFamily="49" charset="0"/>
               </a:rPr>
-              <a:t>= 0</a:t>
+              <a:t>= 0; </a:t>
+            </a:r>
+            <a:r>
+              <a:rPr lang="da-DK" sz="2800" b="1" smtClean="0">
+                <a:latin typeface="Consolas" panose="020B0609020204030204" pitchFamily="49" charset="0"/>
+              </a:rPr>
+              <a:t>y </a:t>
             </a:r>
             <a:r>
               <a:rPr lang="da-DK" sz="2800" b="1">
                 <a:latin typeface="Consolas" panose="020B0609020204030204" pitchFamily="49" charset="0"/>
               </a:rPr>
-              <a:t>; </a:t>
-            </a:r>
-            <a:r>
-              <a:rPr lang="da-DK" sz="2800" b="1" smtClean="0">
-                <a:latin typeface="Consolas" panose="020B0609020204030204" pitchFamily="49" charset="0"/>
-              </a:rPr>
-              <a:t>y </a:t>
-            </a:r>
-            <a:r>
-              <a:rPr lang="da-DK" sz="2800" b="1">
-                <a:latin typeface="Consolas" panose="020B0609020204030204" pitchFamily="49" charset="0"/>
-              </a:rPr>
-              <a:t>&lt; 10</a:t>
-            </a:r>
-            <a:r>
-              <a:rPr lang="da-DK" sz="2800" b="1">
-                <a:latin typeface="Consolas" panose="020B0609020204030204" pitchFamily="49" charset="0"/>
-              </a:rPr>
-              <a:t>; </a:t>
+              <a:t>&lt; 10; </a:t>
             </a:r>
             <a:r>
               <a:rPr lang="da-DK" sz="2800" b="1" smtClean="0">
@@ -14610,11 +14832,11 @@
   <p:clrMapOvr>
     <a:masterClrMapping/>
   </p:clrMapOvr>
-  <mc:AlternateContent xmlns:mc="http://schemas.openxmlformats.org/markup-compatibility/2006">
-    <mc:Choice xmlns:p14="http://schemas.microsoft.com/office/powerpoint/2010/main" Requires="p14">
+  <mc:AlternateContent xmlns:mc="http://schemas.openxmlformats.org/markup-compatibility/2006" xmlns:p14="http://schemas.microsoft.com/office/powerpoint/2010/main">
+    <mc:Choice Requires="p14">
       <p:transition p14:dur="0"/>
     </mc:Choice>
-    <mc:Fallback>
+    <mc:Fallback xmlns="">
       <p:transition/>
     </mc:Fallback>
   </mc:AlternateContent>
@@ -14766,31 +14988,19 @@
               <a:rPr lang="da-DK" sz="2000" b="1">
                 <a:latin typeface="Consolas" panose="020B0609020204030204" pitchFamily="49" charset="0"/>
               </a:rPr>
-              <a:t>= 0</a:t>
+              <a:t>= 0; </a:t>
+            </a:r>
+            <a:r>
+              <a:rPr lang="da-DK" sz="2000" b="1" smtClean="0">
+                <a:latin typeface="Consolas" panose="020B0609020204030204" pitchFamily="49" charset="0"/>
+              </a:rPr>
+              <a:t>y </a:t>
             </a:r>
             <a:r>
               <a:rPr lang="da-DK" sz="2000" b="1">
                 <a:latin typeface="Consolas" panose="020B0609020204030204" pitchFamily="49" charset="0"/>
               </a:rPr>
-              <a:t>; </a:t>
-            </a:r>
-            <a:r>
-              <a:rPr lang="da-DK" sz="2000" b="1" smtClean="0">
-                <a:latin typeface="Consolas" panose="020B0609020204030204" pitchFamily="49" charset="0"/>
-              </a:rPr>
-              <a:t>y </a:t>
-            </a:r>
-            <a:r>
-              <a:rPr lang="da-DK" sz="2000" b="1">
-                <a:latin typeface="Consolas" panose="020B0609020204030204" pitchFamily="49" charset="0"/>
-              </a:rPr>
-              <a:t>&lt; 10</a:t>
-            </a:r>
-            <a:r>
-              <a:rPr lang="da-DK" sz="2000" b="1">
-                <a:latin typeface="Consolas" panose="020B0609020204030204" pitchFamily="49" charset="0"/>
-              </a:rPr>
-              <a:t>; </a:t>
+              <a:t>&lt; 10; </a:t>
             </a:r>
             <a:r>
               <a:rPr lang="da-DK" sz="2000" b="1" smtClean="0">
@@ -14977,13 +15187,7 @@
               <a:rPr lang="da-DK" sz="2000" b="1">
                 <a:latin typeface="Consolas" panose="020B0609020204030204" pitchFamily="49" charset="0"/>
               </a:rPr>
-              <a:t> y = 0; y &lt; 10</a:t>
-            </a:r>
-            <a:r>
-              <a:rPr lang="da-DK" sz="2000" b="1">
-                <a:latin typeface="Consolas" panose="020B0609020204030204" pitchFamily="49" charset="0"/>
-              </a:rPr>
-              <a:t>; </a:t>
+              <a:t> y = 0; y &lt; 10; </a:t>
             </a:r>
             <a:r>
               <a:rPr lang="da-DK" sz="2000" b="1" smtClean="0">
@@ -15231,13 +15435,7 @@
               <a:rPr lang="da-DK" sz="2000" b="1">
                 <a:latin typeface="Consolas" panose="020B0609020204030204" pitchFamily="49" charset="0"/>
               </a:rPr>
-              <a:t>= 0</a:t>
-            </a:r>
-            <a:r>
-              <a:rPr lang="da-DK" sz="2000" b="1">
-                <a:latin typeface="Consolas" panose="020B0609020204030204" pitchFamily="49" charset="0"/>
-              </a:rPr>
-              <a:t>; </a:t>
+              <a:t>= 0; </a:t>
             </a:r>
             <a:r>
               <a:rPr lang="da-DK" sz="2000" b="1" smtClean="0">
@@ -15405,80 +15603,68 @@
               <a:rPr lang="da-DK" sz="2000" b="1">
                 <a:latin typeface="Consolas" panose="020B0609020204030204" pitchFamily="49" charset="0"/>
               </a:rPr>
-              <a:t> x = 0; x </a:t>
+              <a:t> x = 0; x &lt; </a:t>
             </a:r>
             <a:r>
               <a:rPr lang="da-DK" sz="2000" b="1">
-                <a:latin typeface="Consolas" panose="020B0609020204030204" pitchFamily="49" charset="0"/>
-              </a:rPr>
-              <a:t>&lt; </a:t>
+                <a:solidFill>
+                  <a:srgbClr val="FF0000"/>
+                </a:solidFill>
+                <a:latin typeface="Consolas" panose="020B0609020204030204" pitchFamily="49" charset="0"/>
+              </a:rPr>
+              <a:t>10</a:t>
+            </a:r>
+            <a:r>
+              <a:rPr lang="da-DK" sz="2000" b="1" smtClean="0">
+                <a:latin typeface="Consolas" panose="020B0609020204030204" pitchFamily="49" charset="0"/>
+              </a:rPr>
+              <a:t>; </a:t>
             </a:r>
             <a:r>
               <a:rPr lang="da-DK" sz="2000" b="1">
-                <a:solidFill>
-                  <a:srgbClr val="FF0000"/>
-                </a:solidFill>
-                <a:latin typeface="Consolas" panose="020B0609020204030204" pitchFamily="49" charset="0"/>
-              </a:rPr>
-              <a:t>10</a:t>
-            </a:r>
-            <a:r>
-              <a:rPr lang="da-DK" sz="2000" b="1" smtClean="0">
-                <a:latin typeface="Consolas" panose="020B0609020204030204" pitchFamily="49" charset="0"/>
-              </a:rPr>
-              <a:t>; </a:t>
-            </a:r>
+                <a:latin typeface="Consolas" panose="020B0609020204030204" pitchFamily="49" charset="0"/>
+              </a:rPr>
+              <a:t>x++)</a:t>
+            </a:r>
+          </a:p>
+          <a:p>
             <a:r>
               <a:rPr lang="da-DK" sz="2000" b="1">
                 <a:latin typeface="Consolas" panose="020B0609020204030204" pitchFamily="49" charset="0"/>
               </a:rPr>
-              <a:t>x++)</a:t>
+              <a:t>{</a:t>
             </a:r>
           </a:p>
           <a:p>
             <a:r>
               <a:rPr lang="da-DK" sz="2000" b="1">
-                <a:latin typeface="Consolas" panose="020B0609020204030204" pitchFamily="49" charset="0"/>
-              </a:rPr>
-              <a:t>{</a:t>
-            </a:r>
-          </a:p>
-          <a:p>
+                <a:solidFill>
+                  <a:srgbClr val="0070C0"/>
+                </a:solidFill>
+                <a:latin typeface="Consolas" panose="020B0609020204030204" pitchFamily="49" charset="0"/>
+              </a:rPr>
+              <a:t>   for</a:t>
+            </a:r>
             <a:r>
               <a:rPr lang="da-DK" sz="2000" b="1">
+                <a:latin typeface="Consolas" panose="020B0609020204030204" pitchFamily="49" charset="0"/>
+              </a:rPr>
+              <a:t> (</a:t>
+            </a:r>
+            <a:r>
+              <a:rPr lang="da-DK" sz="2000" b="1">
                 <a:solidFill>
                   <a:srgbClr val="0070C0"/>
                 </a:solidFill>
                 <a:latin typeface="Consolas" panose="020B0609020204030204" pitchFamily="49" charset="0"/>
               </a:rPr>
-              <a:t>   for</a:t>
+              <a:t>int</a:t>
             </a:r>
             <a:r>
               <a:rPr lang="da-DK" sz="2000" b="1">
                 <a:latin typeface="Consolas" panose="020B0609020204030204" pitchFamily="49" charset="0"/>
               </a:rPr>
-              <a:t> (</a:t>
-            </a:r>
-            <a:r>
-              <a:rPr lang="da-DK" sz="2000" b="1">
-                <a:solidFill>
-                  <a:srgbClr val="0070C0"/>
-                </a:solidFill>
-                <a:latin typeface="Consolas" panose="020B0609020204030204" pitchFamily="49" charset="0"/>
-              </a:rPr>
-              <a:t>int</a:t>
-            </a:r>
-            <a:r>
-              <a:rPr lang="da-DK" sz="2000" b="1">
-                <a:latin typeface="Consolas" panose="020B0609020204030204" pitchFamily="49" charset="0"/>
-              </a:rPr>
-              <a:t> y = 0; y </a:t>
-            </a:r>
-            <a:r>
-              <a:rPr lang="da-DK" sz="2000" b="1">
-                <a:latin typeface="Consolas" panose="020B0609020204030204" pitchFamily="49" charset="0"/>
-              </a:rPr>
-              <a:t>&lt; </a:t>
+              <a:t> y = 0; y &lt; </a:t>
             </a:r>
             <a:r>
               <a:rPr lang="da-DK" sz="2000" b="1">
@@ -17546,11 +17732,11 @@
   <p:clrMapOvr>
     <a:masterClrMapping/>
   </p:clrMapOvr>
-  <mc:AlternateContent xmlns:mc="http://schemas.openxmlformats.org/markup-compatibility/2006">
-    <mc:Choice xmlns:p14="http://schemas.microsoft.com/office/powerpoint/2010/main" Requires="p14">
+  <mc:AlternateContent xmlns:mc="http://schemas.openxmlformats.org/markup-compatibility/2006" xmlns:p14="http://schemas.microsoft.com/office/powerpoint/2010/main">
+    <mc:Choice Requires="p14">
       <p:transition p14:dur="0"/>
     </mc:Choice>
-    <mc:Fallback>
+    <mc:Fallback xmlns="">
       <p:transition/>
     </mc:Fallback>
   </mc:AlternateContent>
@@ -17644,98 +17830,86 @@
               <a:rPr lang="da-DK" sz="2000" b="1">
                 <a:latin typeface="Consolas" panose="020B0609020204030204" pitchFamily="49" charset="0"/>
               </a:rPr>
-              <a:t> x = 0; x </a:t>
+              <a:t> x = 0; x &lt; </a:t>
+            </a:r>
+            <a:r>
+              <a:rPr lang="da-DK" sz="2000" b="1" smtClean="0">
+                <a:solidFill>
+                  <a:srgbClr val="FF0000"/>
+                </a:solidFill>
+                <a:latin typeface="Consolas" panose="020B0609020204030204" pitchFamily="49" charset="0"/>
+              </a:rPr>
+              <a:t>8</a:t>
+            </a:r>
+            <a:r>
+              <a:rPr lang="da-DK" sz="2000" b="1" smtClean="0">
+                <a:latin typeface="Consolas" panose="020B0609020204030204" pitchFamily="49" charset="0"/>
+              </a:rPr>
+              <a:t>; </a:t>
             </a:r>
             <a:r>
               <a:rPr lang="da-DK" sz="2000" b="1">
                 <a:latin typeface="Consolas" panose="020B0609020204030204" pitchFamily="49" charset="0"/>
               </a:rPr>
-              <a:t>&lt; </a:t>
-            </a:r>
+              <a:t>x++)</a:t>
+            </a:r>
+          </a:p>
+          <a:p>
             <a:r>
               <a:rPr lang="da-DK" sz="2000" b="1" smtClean="0">
-                <a:solidFill>
-                  <a:srgbClr val="FF0000"/>
-                </a:solidFill>
-                <a:latin typeface="Consolas" panose="020B0609020204030204" pitchFamily="49" charset="0"/>
-              </a:rPr>
-              <a:t>8</a:t>
-            </a:r>
+                <a:latin typeface="Consolas" panose="020B0609020204030204" pitchFamily="49" charset="0"/>
+              </a:rPr>
+              <a:t>{</a:t>
+            </a:r>
+          </a:p>
+          <a:p>
             <a:r>
               <a:rPr lang="da-DK" sz="2000" b="1" smtClean="0">
-                <a:latin typeface="Consolas" panose="020B0609020204030204" pitchFamily="49" charset="0"/>
-              </a:rPr>
-              <a:t>; </a:t>
+                <a:solidFill>
+                  <a:srgbClr val="0070C0"/>
+                </a:solidFill>
+                <a:latin typeface="Consolas" panose="020B0609020204030204" pitchFamily="49" charset="0"/>
+              </a:rPr>
+              <a:t>   for</a:t>
+            </a:r>
+            <a:r>
+              <a:rPr lang="da-DK" sz="2000" b="1" smtClean="0">
+                <a:latin typeface="Consolas" panose="020B0609020204030204" pitchFamily="49" charset="0"/>
+              </a:rPr>
+              <a:t> </a:t>
             </a:r>
             <a:r>
               <a:rPr lang="da-DK" sz="2000" b="1">
                 <a:latin typeface="Consolas" panose="020B0609020204030204" pitchFamily="49" charset="0"/>
               </a:rPr>
-              <a:t>x++)</a:t>
-            </a:r>
-          </a:p>
-          <a:p>
+              <a:t>(</a:t>
+            </a:r>
+            <a:r>
+              <a:rPr lang="da-DK" sz="2000" b="1">
+                <a:solidFill>
+                  <a:srgbClr val="0070C0"/>
+                </a:solidFill>
+                <a:latin typeface="Consolas" panose="020B0609020204030204" pitchFamily="49" charset="0"/>
+              </a:rPr>
+              <a:t>int</a:t>
+            </a:r>
+            <a:r>
+              <a:rPr lang="da-DK" sz="2000" b="1">
+                <a:latin typeface="Consolas" panose="020B0609020204030204" pitchFamily="49" charset="0"/>
+              </a:rPr>
+              <a:t> </a:t>
+            </a:r>
             <a:r>
               <a:rPr lang="da-DK" sz="2000" b="1" smtClean="0">
                 <a:latin typeface="Consolas" panose="020B0609020204030204" pitchFamily="49" charset="0"/>
               </a:rPr>
-              <a:t>{</a:t>
-            </a:r>
-          </a:p>
-          <a:p>
-            <a:r>
-              <a:rPr lang="da-DK" sz="2000" b="1" smtClean="0">
-                <a:solidFill>
-                  <a:srgbClr val="0070C0"/>
-                </a:solidFill>
-                <a:latin typeface="Consolas" panose="020B0609020204030204" pitchFamily="49" charset="0"/>
-              </a:rPr>
-              <a:t>   for</a:t>
-            </a:r>
-            <a:r>
-              <a:rPr lang="da-DK" sz="2000" b="1" smtClean="0">
-                <a:latin typeface="Consolas" panose="020B0609020204030204" pitchFamily="49" charset="0"/>
-              </a:rPr>
-              <a:t> </a:t>
+              <a:t>y </a:t>
             </a:r>
             <a:r>
               <a:rPr lang="da-DK" sz="2000" b="1">
                 <a:latin typeface="Consolas" panose="020B0609020204030204" pitchFamily="49" charset="0"/>
               </a:rPr>
-              <a:t>(</a:t>
-            </a:r>
-            <a:r>
-              <a:rPr lang="da-DK" sz="2000" b="1">
-                <a:solidFill>
-                  <a:srgbClr val="0070C0"/>
-                </a:solidFill>
-                <a:latin typeface="Consolas" panose="020B0609020204030204" pitchFamily="49" charset="0"/>
-              </a:rPr>
-              <a:t>int</a:t>
-            </a:r>
-            <a:r>
-              <a:rPr lang="da-DK" sz="2000" b="1">
-                <a:latin typeface="Consolas" panose="020B0609020204030204" pitchFamily="49" charset="0"/>
-              </a:rPr>
-              <a:t> </a:t>
-            </a:r>
-            <a:r>
-              <a:rPr lang="da-DK" sz="2000" b="1" smtClean="0">
-                <a:latin typeface="Consolas" panose="020B0609020204030204" pitchFamily="49" charset="0"/>
-              </a:rPr>
-              <a:t>y </a:t>
-            </a:r>
-            <a:r>
-              <a:rPr lang="da-DK" sz="2000" b="1">
-                <a:latin typeface="Consolas" panose="020B0609020204030204" pitchFamily="49" charset="0"/>
-              </a:rPr>
-              <a:t>= 0</a:t>
-            </a:r>
-            <a:r>
-              <a:rPr lang="da-DK" sz="2000" b="1">
-                <a:latin typeface="Consolas" panose="020B0609020204030204" pitchFamily="49" charset="0"/>
-              </a:rPr>
-              <a:t>; </a:t>
+              <a:t>= 0; </a:t>
             </a:r>
             <a:r>
               <a:rPr lang="da-DK" sz="2000" b="1" smtClean="0">
@@ -17903,80 +18077,68 @@
               <a:rPr lang="da-DK" sz="2000" b="1">
                 <a:latin typeface="Consolas" panose="020B0609020204030204" pitchFamily="49" charset="0"/>
               </a:rPr>
-              <a:t> x = 0; x </a:t>
+              <a:t> x = 0; x &lt; </a:t>
+            </a:r>
+            <a:r>
+              <a:rPr lang="da-DK" sz="2000" b="1" smtClean="0">
+                <a:solidFill>
+                  <a:srgbClr val="FF0000"/>
+                </a:solidFill>
+                <a:latin typeface="Consolas" panose="020B0609020204030204" pitchFamily="49" charset="0"/>
+              </a:rPr>
+              <a:t>8</a:t>
+            </a:r>
+            <a:r>
+              <a:rPr lang="da-DK" sz="2000" b="1" smtClean="0">
+                <a:latin typeface="Consolas" panose="020B0609020204030204" pitchFamily="49" charset="0"/>
+              </a:rPr>
+              <a:t>; </a:t>
             </a:r>
             <a:r>
               <a:rPr lang="da-DK" sz="2000" b="1">
                 <a:latin typeface="Consolas" panose="020B0609020204030204" pitchFamily="49" charset="0"/>
               </a:rPr>
-              <a:t>&lt; </a:t>
-            </a:r>
-            <a:r>
-              <a:rPr lang="da-DK" sz="2000" b="1" smtClean="0">
-                <a:solidFill>
-                  <a:srgbClr val="FF0000"/>
-                </a:solidFill>
-                <a:latin typeface="Consolas" panose="020B0609020204030204" pitchFamily="49" charset="0"/>
-              </a:rPr>
-              <a:t>8</a:t>
-            </a:r>
-            <a:r>
-              <a:rPr lang="da-DK" sz="2000" b="1" smtClean="0">
-                <a:latin typeface="Consolas" panose="020B0609020204030204" pitchFamily="49" charset="0"/>
-              </a:rPr>
-              <a:t>; </a:t>
-            </a:r>
+              <a:t>x++)</a:t>
+            </a:r>
+          </a:p>
+          <a:p>
             <a:r>
               <a:rPr lang="da-DK" sz="2000" b="1">
                 <a:latin typeface="Consolas" panose="020B0609020204030204" pitchFamily="49" charset="0"/>
               </a:rPr>
-              <a:t>x++)</a:t>
+              <a:t>{</a:t>
             </a:r>
           </a:p>
           <a:p>
             <a:r>
               <a:rPr lang="da-DK" sz="2000" b="1">
-                <a:latin typeface="Consolas" panose="020B0609020204030204" pitchFamily="49" charset="0"/>
-              </a:rPr>
-              <a:t>{</a:t>
-            </a:r>
-          </a:p>
-          <a:p>
+                <a:solidFill>
+                  <a:srgbClr val="0070C0"/>
+                </a:solidFill>
+                <a:latin typeface="Consolas" panose="020B0609020204030204" pitchFamily="49" charset="0"/>
+              </a:rPr>
+              <a:t>   for</a:t>
+            </a:r>
             <a:r>
               <a:rPr lang="da-DK" sz="2000" b="1">
+                <a:latin typeface="Consolas" panose="020B0609020204030204" pitchFamily="49" charset="0"/>
+              </a:rPr>
+              <a:t> (</a:t>
+            </a:r>
+            <a:r>
+              <a:rPr lang="da-DK" sz="2000" b="1">
                 <a:solidFill>
                   <a:srgbClr val="0070C0"/>
                 </a:solidFill>
                 <a:latin typeface="Consolas" panose="020B0609020204030204" pitchFamily="49" charset="0"/>
               </a:rPr>
-              <a:t>   for</a:t>
+              <a:t>int</a:t>
             </a:r>
             <a:r>
               <a:rPr lang="da-DK" sz="2000" b="1">
                 <a:latin typeface="Consolas" panose="020B0609020204030204" pitchFamily="49" charset="0"/>
               </a:rPr>
-              <a:t> (</a:t>
-            </a:r>
-            <a:r>
-              <a:rPr lang="da-DK" sz="2000" b="1">
-                <a:solidFill>
-                  <a:srgbClr val="0070C0"/>
-                </a:solidFill>
-                <a:latin typeface="Consolas" panose="020B0609020204030204" pitchFamily="49" charset="0"/>
-              </a:rPr>
-              <a:t>int</a:t>
-            </a:r>
-            <a:r>
-              <a:rPr lang="da-DK" sz="2000" b="1">
-                <a:latin typeface="Consolas" panose="020B0609020204030204" pitchFamily="49" charset="0"/>
-              </a:rPr>
-              <a:t> y = 0; y </a:t>
-            </a:r>
-            <a:r>
-              <a:rPr lang="da-DK" sz="2000" b="1">
-                <a:latin typeface="Consolas" panose="020B0609020204030204" pitchFamily="49" charset="0"/>
-              </a:rPr>
-              <a:t>&lt; </a:t>
+              <a:t> y = 0; y &lt; </a:t>
             </a:r>
             <a:r>
               <a:rPr lang="da-DK" sz="2000" b="1" smtClean="0">
@@ -18099,11 +18261,11 @@
   <p:clrMapOvr>
     <a:masterClrMapping/>
   </p:clrMapOvr>
-  <mc:AlternateContent xmlns:mc="http://schemas.openxmlformats.org/markup-compatibility/2006">
-    <mc:Choice xmlns:p14="http://schemas.microsoft.com/office/powerpoint/2010/main" Requires="p14">
+  <mc:AlternateContent xmlns:mc="http://schemas.openxmlformats.org/markup-compatibility/2006" xmlns:p14="http://schemas.microsoft.com/office/powerpoint/2010/main">
+    <mc:Choice Requires="p14">
       <p:transition p14:dur="0"/>
     </mc:Choice>
-    <mc:Fallback>
+    <mc:Fallback xmlns="">
       <p:transition/>
     </mc:Fallback>
   </mc:AlternateContent>
@@ -18262,16 +18424,7 @@
                 </a:solidFill>
                 <a:latin typeface="Consolas" panose="020B0609020204030204" pitchFamily="49" charset="0"/>
               </a:rPr>
-              <a:t>public const </a:t>
-            </a:r>
-            <a:r>
-              <a:rPr lang="da-DK" sz="3200" b="1">
-                <a:solidFill>
-                  <a:srgbClr val="0070C0"/>
-                </a:solidFill>
-                <a:latin typeface="Consolas" panose="020B0609020204030204" pitchFamily="49" charset="0"/>
-              </a:rPr>
-              <a:t>int </a:t>
+              <a:t>public const int </a:t>
             </a:r>
             <a:r>
               <a:rPr lang="da-DK" sz="3200" b="1" smtClean="0">
